--- a/MoFGBML_ver22_3回生実験用/tmp.pptx
+++ b/MoFGBML_ver22_3回生実験用/tmp.pptx
@@ -5,19 +5,24 @@
     <p:sldMasterId id="2147483666" r:id="rId1"/>
   </p:sldMasterIdLst>
   <p:notesMasterIdLst>
-    <p:notesMasterId r:id="rId12"/>
+    <p:notesMasterId r:id="rId17"/>
   </p:notesMasterIdLst>
   <p:sldIdLst>
-    <p:sldId id="266" r:id="rId2"/>
-    <p:sldId id="267" r:id="rId3"/>
-    <p:sldId id="269" r:id="rId4"/>
-    <p:sldId id="270" r:id="rId5"/>
+    <p:sldId id="267" r:id="rId2"/>
+    <p:sldId id="275" r:id="rId3"/>
+    <p:sldId id="266" r:id="rId4"/>
+    <p:sldId id="269" r:id="rId5"/>
     <p:sldId id="271" r:id="rId6"/>
-    <p:sldId id="272" r:id="rId7"/>
-    <p:sldId id="273" r:id="rId8"/>
-    <p:sldId id="268" r:id="rId9"/>
-    <p:sldId id="274" r:id="rId10"/>
-    <p:sldId id="257" r:id="rId11"/>
+    <p:sldId id="268" r:id="rId7"/>
+    <p:sldId id="280" r:id="rId8"/>
+    <p:sldId id="272" r:id="rId9"/>
+    <p:sldId id="273" r:id="rId10"/>
+    <p:sldId id="276" r:id="rId11"/>
+    <p:sldId id="278" r:id="rId12"/>
+    <p:sldId id="279" r:id="rId13"/>
+    <p:sldId id="274" r:id="rId14"/>
+    <p:sldId id="270" r:id="rId15"/>
+    <p:sldId id="257" r:id="rId16"/>
   </p:sldIdLst>
   <p:sldSz cx="9144000" cy="6858000" type="screen4x3"/>
   <p:notesSz cx="6858000" cy="9144000"/>
@@ -127,7 +132,7 @@
 <file path=ppt/revisionInfo.xml><?xml version="1.0" encoding="utf-8"?>
 <p1510:revInfo xmlns:a="http://schemas.openxmlformats.org/drawingml/2006/main" xmlns:r="http://schemas.openxmlformats.org/officeDocument/2006/relationships" xmlns:p1510="http://schemas.microsoft.com/office/powerpoint/2015/10/main">
   <p1510:revLst>
-    <p1510:client id="{F7633DBB-A5BB-44EE-A4F0-5C0F4019CEAA}" v="254" dt="2020-06-02T05:13:46.691"/>
+    <p1510:client id="{F7633DBB-A5BB-44EE-A4F0-5C0F4019CEAA}" v="310" dt="2020-06-03T07:14:51.071"/>
   </p1510:revLst>
 </p1510:revInfo>
 </file>
@@ -137,7 +142,7 @@
   <pc:docChgLst>
     <pc:chgData name="弘毅 瀧川" userId="3443278d3db669ac" providerId="LiveId" clId="{F7633DBB-A5BB-44EE-A4F0-5C0F4019CEAA}"/>
     <pc:docChg chg="undo custSel addSld delSld modSld sldOrd delMainMaster">
-      <pc:chgData name="弘毅 瀧川" userId="3443278d3db669ac" providerId="LiveId" clId="{F7633DBB-A5BB-44EE-A4F0-5C0F4019CEAA}" dt="2020-06-02T05:19:11.586" v="738" actId="20577"/>
+      <pc:chgData name="弘毅 瀧川" userId="3443278d3db669ac" providerId="LiveId" clId="{F7633DBB-A5BB-44EE-A4F0-5C0F4019CEAA}" dt="2020-06-03T07:14:51.069" v="827" actId="1076"/>
       <pc:docMkLst>
         <pc:docMk/>
       </pc:docMkLst>
@@ -582,7 +587,7 @@
         </pc:sldMkLst>
       </pc:sldChg>
       <pc:sldChg chg="addSp delSp modSp add setBg">
-        <pc:chgData name="弘毅 瀧川" userId="3443278d3db669ac" providerId="LiveId" clId="{F7633DBB-A5BB-44EE-A4F0-5C0F4019CEAA}" dt="2020-06-02T05:07:28.835" v="532"/>
+        <pc:chgData name="弘毅 瀧川" userId="3443278d3db669ac" providerId="LiveId" clId="{F7633DBB-A5BB-44EE-A4F0-5C0F4019CEAA}" dt="2020-06-03T04:22:22.844" v="778"/>
         <pc:sldMkLst>
           <pc:docMk/>
           <pc:sldMk cId="1812730445" sldId="266"/>
@@ -603,17 +608,41 @@
             <ac:spMk id="3" creationId="{282D8786-A364-4CBA-826E-451C79136CF7}"/>
           </ac:spMkLst>
         </pc:spChg>
-        <pc:picChg chg="add mod">
-          <ac:chgData name="弘毅 瀧川" userId="3443278d3db669ac" providerId="LiveId" clId="{F7633DBB-A5BB-44EE-A4F0-5C0F4019CEAA}" dt="2020-06-01T11:49:56.031" v="361"/>
+        <pc:spChg chg="add del mod">
+          <ac:chgData name="弘毅 瀧川" userId="3443278d3db669ac" providerId="LiveId" clId="{F7633DBB-A5BB-44EE-A4F0-5C0F4019CEAA}" dt="2020-06-03T04:22:22.844" v="778"/>
+          <ac:spMkLst>
+            <pc:docMk/>
+            <pc:sldMk cId="1812730445" sldId="266"/>
+            <ac:spMk id="6" creationId="{5DE19475-4045-457C-BA82-A0EAC7FAA6CB}"/>
+          </ac:spMkLst>
+        </pc:spChg>
+        <pc:picChg chg="add del">
+          <ac:chgData name="弘毅 瀧川" userId="3443278d3db669ac" providerId="LiveId" clId="{F7633DBB-A5BB-44EE-A4F0-5C0F4019CEAA}" dt="2020-06-03T04:22:16.749" v="776" actId="478"/>
+          <ac:picMkLst>
+            <pc:docMk/>
+            <pc:sldMk cId="1812730445" sldId="266"/>
+            <ac:picMk id="3" creationId="{9AF5B768-3ACF-4275-9D07-5164BD9C74C2}"/>
+          </ac:picMkLst>
+        </pc:picChg>
+        <pc:picChg chg="add del mod">
+          <ac:chgData name="弘毅 瀧川" userId="3443278d3db669ac" providerId="LiveId" clId="{F7633DBB-A5BB-44EE-A4F0-5C0F4019CEAA}" dt="2020-06-03T04:22:19.485" v="777" actId="478"/>
           <ac:picMkLst>
             <pc:docMk/>
             <pc:sldMk cId="1812730445" sldId="266"/>
             <ac:picMk id="5" creationId="{BED0CC3A-69EB-4D2A-8A52-F3FA4F8284B9}"/>
           </ac:picMkLst>
         </pc:picChg>
+        <pc:picChg chg="add mod">
+          <ac:chgData name="弘毅 瀧川" userId="3443278d3db669ac" providerId="LiveId" clId="{F7633DBB-A5BB-44EE-A4F0-5C0F4019CEAA}" dt="2020-06-03T04:22:22.844" v="778"/>
+          <ac:picMkLst>
+            <pc:docMk/>
+            <pc:sldMk cId="1812730445" sldId="266"/>
+            <ac:picMk id="7" creationId="{EBE4C0FA-C852-4DE6-A78B-492FA46F7314}"/>
+          </ac:picMkLst>
+        </pc:picChg>
       </pc:sldChg>
-      <pc:sldChg chg="addSp delSp modSp add setBg">
-        <pc:chgData name="弘毅 瀧川" userId="3443278d3db669ac" providerId="LiveId" clId="{F7633DBB-A5BB-44EE-A4F0-5C0F4019CEAA}" dt="2020-06-02T05:07:28.835" v="532"/>
+      <pc:sldChg chg="addSp delSp modSp add ord setBg">
+        <pc:chgData name="弘毅 瀧川" userId="3443278d3db669ac" providerId="LiveId" clId="{F7633DBB-A5BB-44EE-A4F0-5C0F4019CEAA}" dt="2020-06-03T03:57:54.195" v="774"/>
         <pc:sldMkLst>
           <pc:docMk/>
           <pc:sldMk cId="1203014809" sldId="267"/>
@@ -650,8 +679,8 @@
           <pc:sldMk cId="2020158853" sldId="267"/>
         </pc:sldMkLst>
       </pc:sldChg>
-      <pc:sldChg chg="addSp delSp modSp add setBg">
-        <pc:chgData name="弘毅 瀧川" userId="3443278d3db669ac" providerId="LiveId" clId="{F7633DBB-A5BB-44EE-A4F0-5C0F4019CEAA}" dt="2020-06-02T05:18:43.451" v="730" actId="20577"/>
+      <pc:sldChg chg="addSp delSp modSp add ord setBg">
+        <pc:chgData name="弘毅 瀧川" userId="3443278d3db669ac" providerId="LiveId" clId="{F7633DBB-A5BB-44EE-A4F0-5C0F4019CEAA}" dt="2020-06-03T06:44:58.439" v="805"/>
         <pc:sldMkLst>
           <pc:docMk/>
           <pc:sldMk cId="538742870" sldId="268"/>
@@ -696,13 +725,6 @@
           <pc:sldMk cId="2815401451" sldId="268"/>
         </pc:sldMkLst>
       </pc:sldChg>
-      <pc:sldChg chg="del">
-        <pc:chgData name="弘毅 瀧川" userId="3443278d3db669ac" providerId="LiveId" clId="{F7633DBB-A5BB-44EE-A4F0-5C0F4019CEAA}" dt="2020-06-01T07:00:50.652" v="0" actId="2696"/>
-        <pc:sldMkLst>
-          <pc:docMk/>
-          <pc:sldMk cId="0" sldId="269"/>
-        </pc:sldMkLst>
-      </pc:sldChg>
       <pc:sldChg chg="addSp delSp modSp add setBg">
         <pc:chgData name="弘毅 瀧川" userId="3443278d3db669ac" providerId="LiveId" clId="{F7633DBB-A5BB-44EE-A4F0-5C0F4019CEAA}" dt="2020-06-02T05:12:55.838" v="669" actId="1076"/>
         <pc:sldMkLst>
@@ -742,8 +764,15 @@
           </ac:picMkLst>
         </pc:picChg>
       </pc:sldChg>
-      <pc:sldChg chg="addSp delSp modSp add setBg">
-        <pc:chgData name="弘毅 瀧川" userId="3443278d3db669ac" providerId="LiveId" clId="{F7633DBB-A5BB-44EE-A4F0-5C0F4019CEAA}" dt="2020-06-02T05:15:04.917" v="683" actId="20577"/>
+      <pc:sldChg chg="del">
+        <pc:chgData name="弘毅 瀧川" userId="3443278d3db669ac" providerId="LiveId" clId="{F7633DBB-A5BB-44EE-A4F0-5C0F4019CEAA}" dt="2020-06-01T07:00:50.652" v="0" actId="2696"/>
+        <pc:sldMkLst>
+          <pc:docMk/>
+          <pc:sldMk cId="4098766253" sldId="269"/>
+        </pc:sldMkLst>
+      </pc:sldChg>
+      <pc:sldChg chg="addSp delSp modSp add ord setBg">
+        <pc:chgData name="弘毅 瀧川" userId="3443278d3db669ac" providerId="LiveId" clId="{F7633DBB-A5BB-44EE-A4F0-5C0F4019CEAA}" dt="2020-06-03T06:44:51.119" v="804"/>
         <pc:sldMkLst>
           <pc:docMk/>
           <pc:sldMk cId="1716200204" sldId="270"/>
@@ -785,7 +814,7 @@
         <pc:chgData name="弘毅 瀧川" userId="3443278d3db669ac" providerId="LiveId" clId="{F7633DBB-A5BB-44EE-A4F0-5C0F4019CEAA}" dt="2020-06-01T07:00:50.887" v="23" actId="2696"/>
         <pc:sldMkLst>
           <pc:docMk/>
-          <pc:sldMk cId="0" sldId="271"/>
+          <pc:sldMk cId="369021755" sldId="271"/>
         </pc:sldMkLst>
       </pc:sldChg>
       <pc:sldChg chg="addSp delSp modSp add setBg">
@@ -827,11 +856,11 @@
           </ac:picMkLst>
         </pc:picChg>
       </pc:sldChg>
-      <pc:sldChg chg="del">
-        <pc:chgData name="弘毅 瀧川" userId="3443278d3db669ac" providerId="LiveId" clId="{F7633DBB-A5BB-44EE-A4F0-5C0F4019CEAA}" dt="2020-06-01T07:00:50.900" v="24" actId="2696"/>
+      <pc:sldChg chg="del ord">
+        <pc:chgData name="弘毅 瀧川" userId="3443278d3db669ac" providerId="LiveId" clId="{F7633DBB-A5BB-44EE-A4F0-5C0F4019CEAA}" dt="2020-06-03T06:37:37.559" v="803"/>
         <pc:sldMkLst>
           <pc:docMk/>
-          <pc:sldMk cId="0" sldId="272"/>
+          <pc:sldMk cId="3192359703" sldId="272"/>
         </pc:sldMkLst>
       </pc:sldChg>
       <pc:sldChg chg="addSp delSp modSp add setBg">
@@ -873,13 +902,6 @@
           </ac:picMkLst>
         </pc:picChg>
       </pc:sldChg>
-      <pc:sldChg chg="del">
-        <pc:chgData name="弘毅 瀧川" userId="3443278d3db669ac" providerId="LiveId" clId="{F7633DBB-A5BB-44EE-A4F0-5C0F4019CEAA}" dt="2020-06-01T07:00:50.930" v="25" actId="2696"/>
-        <pc:sldMkLst>
-          <pc:docMk/>
-          <pc:sldMk cId="0" sldId="273"/>
-        </pc:sldMkLst>
-      </pc:sldChg>
       <pc:sldChg chg="addSp delSp modSp add setBg">
         <pc:chgData name="弘毅 瀧川" userId="3443278d3db669ac" providerId="LiveId" clId="{F7633DBB-A5BB-44EE-A4F0-5C0F4019CEAA}" dt="2020-06-02T05:17:30.526" v="719" actId="20577"/>
         <pc:sldMkLst>
@@ -919,11 +941,11 @@
           </ac:picMkLst>
         </pc:picChg>
       </pc:sldChg>
-      <pc:sldChg chg="del">
-        <pc:chgData name="弘毅 瀧川" userId="3443278d3db669ac" providerId="LiveId" clId="{F7633DBB-A5BB-44EE-A4F0-5C0F4019CEAA}" dt="2020-06-01T07:00:50.751" v="15" actId="2696"/>
+      <pc:sldChg chg="del ord">
+        <pc:chgData name="弘毅 瀧川" userId="3443278d3db669ac" providerId="LiveId" clId="{F7633DBB-A5BB-44EE-A4F0-5C0F4019CEAA}" dt="2020-06-03T06:45:07.734" v="806"/>
         <pc:sldMkLst>
           <pc:docMk/>
-          <pc:sldMk cId="0" sldId="274"/>
+          <pc:sldMk cId="1074519624" sldId="273"/>
         </pc:sldMkLst>
       </pc:sldChg>
       <pc:sldChg chg="addSp delSp modSp add setBg">
@@ -966,11 +988,49 @@
         </pc:picChg>
       </pc:sldChg>
       <pc:sldChg chg="del">
+        <pc:chgData name="弘毅 瀧川" userId="3443278d3db669ac" providerId="LiveId" clId="{F7633DBB-A5BB-44EE-A4F0-5C0F4019CEAA}" dt="2020-06-01T07:00:50.751" v="15" actId="2696"/>
+        <pc:sldMkLst>
+          <pc:docMk/>
+          <pc:sldMk cId="235996216" sldId="274"/>
+        </pc:sldMkLst>
+      </pc:sldChg>
+      <pc:sldChg chg="del">
         <pc:chgData name="弘毅 瀧川" userId="3443278d3db669ac" providerId="LiveId" clId="{F7633DBB-A5BB-44EE-A4F0-5C0F4019CEAA}" dt="2020-06-01T07:00:51.046" v="29" actId="2696"/>
         <pc:sldMkLst>
           <pc:docMk/>
           <pc:sldMk cId="0" sldId="275"/>
         </pc:sldMkLst>
+      </pc:sldChg>
+      <pc:sldChg chg="addSp delSp modSp add ord setBg">
+        <pc:chgData name="弘毅 瀧川" userId="3443278d3db669ac" providerId="LiveId" clId="{F7633DBB-A5BB-44EE-A4F0-5C0F4019CEAA}" dt="2020-06-03T06:48:45.125" v="817"/>
+        <pc:sldMkLst>
+          <pc:docMk/>
+          <pc:sldMk cId="3431739540" sldId="275"/>
+        </pc:sldMkLst>
+        <pc:spChg chg="mod">
+          <ac:chgData name="弘毅 瀧川" userId="3443278d3db669ac" providerId="LiveId" clId="{F7633DBB-A5BB-44EE-A4F0-5C0F4019CEAA}" dt="2020-06-03T03:57:26.894" v="772"/>
+          <ac:spMkLst>
+            <pc:docMk/>
+            <pc:sldMk cId="3431739540" sldId="275"/>
+            <ac:spMk id="2" creationId="{3A6095B8-1B14-4344-9400-3C565B00ADF6}"/>
+          </ac:spMkLst>
+        </pc:spChg>
+        <pc:spChg chg="del">
+          <ac:chgData name="弘毅 瀧川" userId="3443278d3db669ac" providerId="LiveId" clId="{F7633DBB-A5BB-44EE-A4F0-5C0F4019CEAA}" dt="2020-06-03T03:57:30.502" v="773"/>
+          <ac:spMkLst>
+            <pc:docMk/>
+            <pc:sldMk cId="3431739540" sldId="275"/>
+            <ac:spMk id="3" creationId="{CC855D45-ED81-47F4-9B19-43E0C7446B8D}"/>
+          </ac:spMkLst>
+        </pc:spChg>
+        <pc:picChg chg="add mod">
+          <ac:chgData name="弘毅 瀧川" userId="3443278d3db669ac" providerId="LiveId" clId="{F7633DBB-A5BB-44EE-A4F0-5C0F4019CEAA}" dt="2020-06-03T03:57:30.502" v="773"/>
+          <ac:picMkLst>
+            <pc:docMk/>
+            <pc:sldMk cId="3431739540" sldId="275"/>
+            <ac:picMk id="5" creationId="{E8A5444A-E443-4159-B995-6C1E661981DF}"/>
+          </ac:picMkLst>
+        </pc:picChg>
       </pc:sldChg>
       <pc:sldChg chg="del">
         <pc:chgData name="弘毅 瀧川" userId="3443278d3db669ac" providerId="LiveId" clId="{F7633DBB-A5BB-44EE-A4F0-5C0F4019CEAA}" dt="2020-06-01T07:00:51.161" v="37" actId="2696"/>
@@ -979,11 +1039,65 @@
           <pc:sldMk cId="0" sldId="276"/>
         </pc:sldMkLst>
       </pc:sldChg>
+      <pc:sldChg chg="addSp delSp modSp add ord setBg">
+        <pc:chgData name="弘毅 瀧川" userId="3443278d3db669ac" providerId="LiveId" clId="{F7633DBB-A5BB-44EE-A4F0-5C0F4019CEAA}" dt="2020-06-03T07:14:21.094" v="825" actId="1076"/>
+        <pc:sldMkLst>
+          <pc:docMk/>
+          <pc:sldMk cId="2465999176" sldId="276"/>
+        </pc:sldMkLst>
+        <pc:spChg chg="mod">
+          <ac:chgData name="弘毅 瀧川" userId="3443278d3db669ac" providerId="LiveId" clId="{F7633DBB-A5BB-44EE-A4F0-5C0F4019CEAA}" dt="2020-06-03T06:25:25.876" v="786"/>
+          <ac:spMkLst>
+            <pc:docMk/>
+            <pc:sldMk cId="2465999176" sldId="276"/>
+            <ac:spMk id="2" creationId="{213BF3A1-DD1D-4165-8052-62BFF812FAFA}"/>
+          </ac:spMkLst>
+        </pc:spChg>
+        <pc:spChg chg="del">
+          <ac:chgData name="弘毅 瀧川" userId="3443278d3db669ac" providerId="LiveId" clId="{F7633DBB-A5BB-44EE-A4F0-5C0F4019CEAA}" dt="2020-06-03T06:24:59.559" v="780"/>
+          <ac:spMkLst>
+            <pc:docMk/>
+            <pc:sldMk cId="2465999176" sldId="276"/>
+            <ac:spMk id="3" creationId="{09AC159A-9256-4DB5-BF80-AA53D6CF0715}"/>
+          </ac:spMkLst>
+        </pc:spChg>
+        <pc:spChg chg="add del mod">
+          <ac:chgData name="弘毅 瀧川" userId="3443278d3db669ac" providerId="LiveId" clId="{F7633DBB-A5BB-44EE-A4F0-5C0F4019CEAA}" dt="2020-06-03T06:28:08.345" v="788"/>
+          <ac:spMkLst>
+            <pc:docMk/>
+            <pc:sldMk cId="2465999176" sldId="276"/>
+            <ac:spMk id="6" creationId="{FDD47D66-0B96-4DEC-A94D-3116573092B0}"/>
+          </ac:spMkLst>
+        </pc:spChg>
+        <pc:picChg chg="add del mod">
+          <ac:chgData name="弘毅 瀧川" userId="3443278d3db669ac" providerId="LiveId" clId="{F7633DBB-A5BB-44EE-A4F0-5C0F4019CEAA}" dt="2020-06-03T06:28:04.664" v="787" actId="478"/>
+          <ac:picMkLst>
+            <pc:docMk/>
+            <pc:sldMk cId="2465999176" sldId="276"/>
+            <ac:picMk id="5" creationId="{4E0B2E60-EC7A-4005-B1CA-8FBBF655B37A}"/>
+          </ac:picMkLst>
+        </pc:picChg>
+        <pc:picChg chg="add mod">
+          <ac:chgData name="弘毅 瀧川" userId="3443278d3db669ac" providerId="LiveId" clId="{F7633DBB-A5BB-44EE-A4F0-5C0F4019CEAA}" dt="2020-06-03T07:14:21.094" v="825" actId="1076"/>
+          <ac:picMkLst>
+            <pc:docMk/>
+            <pc:sldMk cId="2465999176" sldId="276"/>
+            <ac:picMk id="7" creationId="{8B9CEECF-D469-43F1-AF88-E2753BBC30C4}"/>
+          </ac:picMkLst>
+        </pc:picChg>
+      </pc:sldChg>
       <pc:sldChg chg="del">
         <pc:chgData name="弘毅 瀧川" userId="3443278d3db669ac" providerId="LiveId" clId="{F7633DBB-A5BB-44EE-A4F0-5C0F4019CEAA}" dt="2020-06-01T07:00:51.177" v="38" actId="2696"/>
         <pc:sldMkLst>
           <pc:docMk/>
           <pc:sldMk cId="0" sldId="277"/>
+        </pc:sldMkLst>
+      </pc:sldChg>
+      <pc:sldChg chg="add del">
+        <pc:chgData name="弘毅 瀧川" userId="3443278d3db669ac" providerId="LiveId" clId="{F7633DBB-A5BB-44EE-A4F0-5C0F4019CEAA}" dt="2020-06-03T06:31:24.022" v="791" actId="2696"/>
+        <pc:sldMkLst>
+          <pc:docMk/>
+          <pc:sldMk cId="2149714016" sldId="277"/>
         </pc:sldMkLst>
       </pc:sldChg>
       <pc:sldChg chg="del">
@@ -993,12 +1107,113 @@
           <pc:sldMk cId="0" sldId="278"/>
         </pc:sldMkLst>
       </pc:sldChg>
+      <pc:sldChg chg="addSp delSp modSp add">
+        <pc:chgData name="弘毅 瀧川" userId="3443278d3db669ac" providerId="LiveId" clId="{F7633DBB-A5BB-44EE-A4F0-5C0F4019CEAA}" dt="2020-06-03T07:14:51.069" v="827" actId="1076"/>
+        <pc:sldMkLst>
+          <pc:docMk/>
+          <pc:sldMk cId="3709733644" sldId="278"/>
+        </pc:sldMkLst>
+        <pc:spChg chg="add del mod">
+          <ac:chgData name="弘毅 瀧川" userId="3443278d3db669ac" providerId="LiveId" clId="{F7633DBB-A5BB-44EE-A4F0-5C0F4019CEAA}" dt="2020-06-03T06:31:30.078" v="793"/>
+          <ac:spMkLst>
+            <pc:docMk/>
+            <pc:sldMk cId="3709733644" sldId="278"/>
+            <ac:spMk id="3" creationId="{1054D587-3D67-43DD-A50B-D0BF3F00F2C3}"/>
+          </ac:spMkLst>
+        </pc:spChg>
+        <pc:picChg chg="add mod">
+          <ac:chgData name="弘毅 瀧川" userId="3443278d3db669ac" providerId="LiveId" clId="{F7633DBB-A5BB-44EE-A4F0-5C0F4019CEAA}" dt="2020-06-03T07:14:51.069" v="827" actId="1076"/>
+          <ac:picMkLst>
+            <pc:docMk/>
+            <pc:sldMk cId="3709733644" sldId="278"/>
+            <ac:picMk id="5" creationId="{D9ED3489-5658-4038-810E-0EB2E8BECEF6}"/>
+          </ac:picMkLst>
+        </pc:picChg>
+        <pc:picChg chg="del">
+          <ac:chgData name="弘毅 瀧川" userId="3443278d3db669ac" providerId="LiveId" clId="{F7633DBB-A5BB-44EE-A4F0-5C0F4019CEAA}" dt="2020-06-03T06:31:27.016" v="792" actId="478"/>
+          <ac:picMkLst>
+            <pc:docMk/>
+            <pc:sldMk cId="3709733644" sldId="278"/>
+            <ac:picMk id="7" creationId="{8B9CEECF-D469-43F1-AF88-E2753BBC30C4}"/>
+          </ac:picMkLst>
+        </pc:picChg>
+      </pc:sldChg>
       <pc:sldChg chg="del">
         <pc:chgData name="弘毅 瀧川" userId="3443278d3db669ac" providerId="LiveId" clId="{F7633DBB-A5BB-44EE-A4F0-5C0F4019CEAA}" dt="2020-06-01T07:00:51.222" v="41" actId="2696"/>
         <pc:sldMkLst>
           <pc:docMk/>
           <pc:sldMk cId="0" sldId="279"/>
         </pc:sldMkLst>
+      </pc:sldChg>
+      <pc:sldChg chg="addSp delSp modSp add">
+        <pc:chgData name="弘毅 瀧川" userId="3443278d3db669ac" providerId="LiveId" clId="{F7633DBB-A5BB-44EE-A4F0-5C0F4019CEAA}" dt="2020-06-03T06:32:33.015" v="796"/>
+        <pc:sldMkLst>
+          <pc:docMk/>
+          <pc:sldMk cId="500577351" sldId="279"/>
+        </pc:sldMkLst>
+        <pc:spChg chg="add del mod">
+          <ac:chgData name="弘毅 瀧川" userId="3443278d3db669ac" providerId="LiveId" clId="{F7633DBB-A5BB-44EE-A4F0-5C0F4019CEAA}" dt="2020-06-03T06:32:33.015" v="796"/>
+          <ac:spMkLst>
+            <pc:docMk/>
+            <pc:sldMk cId="500577351" sldId="279"/>
+            <ac:spMk id="3" creationId="{3A929D8A-97FC-4C14-B784-2DF49DEA6391}"/>
+          </ac:spMkLst>
+        </pc:spChg>
+        <pc:picChg chg="del">
+          <ac:chgData name="弘毅 瀧川" userId="3443278d3db669ac" providerId="LiveId" clId="{F7633DBB-A5BB-44EE-A4F0-5C0F4019CEAA}" dt="2020-06-03T06:32:28.437" v="795" actId="478"/>
+          <ac:picMkLst>
+            <pc:docMk/>
+            <pc:sldMk cId="500577351" sldId="279"/>
+            <ac:picMk id="5" creationId="{D9ED3489-5658-4038-810E-0EB2E8BECEF6}"/>
+          </ac:picMkLst>
+        </pc:picChg>
+        <pc:picChg chg="add mod">
+          <ac:chgData name="弘毅 瀧川" userId="3443278d3db669ac" providerId="LiveId" clId="{F7633DBB-A5BB-44EE-A4F0-5C0F4019CEAA}" dt="2020-06-03T06:32:33.015" v="796"/>
+          <ac:picMkLst>
+            <pc:docMk/>
+            <pc:sldMk cId="500577351" sldId="279"/>
+            <ac:picMk id="6" creationId="{DBA46326-9B71-474F-8969-934811667A53}"/>
+          </ac:picMkLst>
+        </pc:picChg>
+      </pc:sldChg>
+      <pc:sldChg chg="addSp delSp modSp add ord">
+        <pc:chgData name="弘毅 瀧川" userId="3443278d3db669ac" providerId="LiveId" clId="{F7633DBB-A5BB-44EE-A4F0-5C0F4019CEAA}" dt="2020-06-03T06:37:26.287" v="802"/>
+        <pc:sldMkLst>
+          <pc:docMk/>
+          <pc:sldMk cId="141148447" sldId="280"/>
+        </pc:sldMkLst>
+        <pc:spChg chg="add del mod">
+          <ac:chgData name="弘毅 瀧川" userId="3443278d3db669ac" providerId="LiveId" clId="{F7633DBB-A5BB-44EE-A4F0-5C0F4019CEAA}" dt="2020-06-03T06:35:51.478" v="799"/>
+          <ac:spMkLst>
+            <pc:docMk/>
+            <pc:sldMk cId="141148447" sldId="280"/>
+            <ac:spMk id="3" creationId="{DBA3694D-D6C2-4B3E-81D4-63F57C342EEB}"/>
+          </ac:spMkLst>
+        </pc:spChg>
+        <pc:spChg chg="add">
+          <ac:chgData name="弘毅 瀧川" userId="3443278d3db669ac" providerId="LiveId" clId="{F7633DBB-A5BB-44EE-A4F0-5C0F4019CEAA}" dt="2020-06-03T06:37:16.897" v="801"/>
+          <ac:spMkLst>
+            <pc:docMk/>
+            <pc:sldMk cId="141148447" sldId="280"/>
+            <ac:spMk id="7" creationId="{3EACA4D4-74D8-4290-9B51-BCFA3DD36FCE}"/>
+          </ac:spMkLst>
+        </pc:spChg>
+        <pc:picChg chg="add mod">
+          <ac:chgData name="弘毅 瀧川" userId="3443278d3db669ac" providerId="LiveId" clId="{F7633DBB-A5BB-44EE-A4F0-5C0F4019CEAA}" dt="2020-06-03T06:35:51.478" v="799"/>
+          <ac:picMkLst>
+            <pc:docMk/>
+            <pc:sldMk cId="141148447" sldId="280"/>
+            <ac:picMk id="5" creationId="{BFB8B318-FE9F-467E-8B63-41B70BE298B1}"/>
+          </ac:picMkLst>
+        </pc:picChg>
+        <pc:picChg chg="del">
+          <ac:chgData name="弘毅 瀧川" userId="3443278d3db669ac" providerId="LiveId" clId="{F7633DBB-A5BB-44EE-A4F0-5C0F4019CEAA}" dt="2020-06-03T06:35:35.887" v="798" actId="478"/>
+          <ac:picMkLst>
+            <pc:docMk/>
+            <pc:sldMk cId="141148447" sldId="280"/>
+            <ac:picMk id="6" creationId="{DBA46326-9B71-474F-8969-934811667A53}"/>
+          </ac:picMkLst>
+        </pc:picChg>
       </pc:sldChg>
       <pc:sldChg chg="del">
         <pc:chgData name="弘毅 瀧川" userId="3443278d3db669ac" providerId="LiveId" clId="{F7633DBB-A5BB-44EE-A4F0-5C0F4019CEAA}" dt="2020-06-01T07:00:50.730" v="14" actId="2696"/>
@@ -1287,7 +1502,7 @@
           <a:p>
             <a:fld id="{59686716-2A95-4A3B-A9ED-79BE695E7B46}" type="datetimeFigureOut">
               <a:rPr kumimoji="1" lang="ja-JP" altLang="en-US" smtClean="0"/>
-              <a:t>2020/6/1</a:t>
+              <a:t>2020/6/3</a:t>
             </a:fld>
             <a:endParaRPr kumimoji="1" lang="ja-JP" altLang="en-US"/>
           </a:p>
@@ -3751,7 +3966,7 @@
           <p:cNvPr id="2" name="タイトル 1">
             <a:extLst>
               <a:ext uri="{FF2B5EF4-FFF2-40B4-BE49-F238E27FC236}">
-                <a16:creationId xmlns:a16="http://schemas.microsoft.com/office/drawing/2014/main" id="{7938104B-1DE3-474E-98AB-047BCE10928C}"/>
+                <a16:creationId xmlns:a16="http://schemas.microsoft.com/office/drawing/2014/main" id="{F94864C3-FBE0-43AB-83BD-BA1801CDD608}"/>
               </a:ext>
             </a:extLst>
           </p:cNvPr>
@@ -3769,11 +3984,11 @@
           <a:p>
             <a:r>
               <a:rPr lang="en-US" altLang="ja-JP" dirty="0"/>
-              <a:t>Iris </a:t>
+              <a:t>Iris</a:t>
             </a:r>
             <a:r>
               <a:rPr lang="ja-JP" altLang="en-US" dirty="0"/>
-              <a:t>個体</a:t>
+              <a:t> １ルール</a:t>
             </a:r>
             <a:endParaRPr kumimoji="1" lang="ja-JP" altLang="en-US" dirty="0"/>
           </a:p>
@@ -3784,7 +3999,7 @@
           <p:cNvPr id="5" name="コンテンツ プレースホルダー 4">
             <a:extLst>
               <a:ext uri="{FF2B5EF4-FFF2-40B4-BE49-F238E27FC236}">
-                <a16:creationId xmlns:a16="http://schemas.microsoft.com/office/drawing/2014/main" id="{BED0CC3A-69EB-4D2A-8A52-F3FA4F8284B9}"/>
+                <a16:creationId xmlns:a16="http://schemas.microsoft.com/office/drawing/2014/main" id="{DBC1FB64-2E2C-4154-818A-3125B1A703D3}"/>
               </a:ext>
             </a:extLst>
           </p:cNvPr>
@@ -3816,7 +4031,7 @@
           <p:cNvPr id="4" name="スライド番号プレースホルダー 3">
             <a:extLst>
               <a:ext uri="{FF2B5EF4-FFF2-40B4-BE49-F238E27FC236}">
-                <a16:creationId xmlns:a16="http://schemas.microsoft.com/office/drawing/2014/main" id="{CDF233CC-500F-4A46-AF8E-E4F31E7CDC5D}"/>
+                <a16:creationId xmlns:a16="http://schemas.microsoft.com/office/drawing/2014/main" id="{48588AE3-FF9B-493C-A87B-B2FDC29C55A5}"/>
               </a:ext>
             </a:extLst>
           </p:cNvPr>
@@ -3844,7 +4059,7 @@
     </p:spTree>
     <p:extLst>
       <p:ext uri="{BB962C8B-B14F-4D97-AF65-F5344CB8AC3E}">
-        <p14:creationId xmlns:p14="http://schemas.microsoft.com/office/powerpoint/2010/main" val="1812730445"/>
+        <p14:creationId xmlns:p14="http://schemas.microsoft.com/office/powerpoint/2010/main" val="1203014809"/>
       </p:ext>
     </p:extLst>
   </p:cSld>
@@ -3855,6 +4070,824 @@
 </file>
 
 <file path=ppt/slides/slide10.xml><?xml version="1.0" encoding="utf-8"?>
+<p:sld xmlns:a="http://schemas.openxmlformats.org/drawingml/2006/main" xmlns:r="http://schemas.openxmlformats.org/officeDocument/2006/relationships" xmlns:p="http://schemas.openxmlformats.org/presentationml/2006/main">
+  <p:cSld>
+    <p:bg>
+      <p:bgPr>
+        <a:solidFill>
+          <a:schemeClr val="bg1">
+            <a:alpha val="0"/>
+          </a:schemeClr>
+        </a:solidFill>
+        <a:effectLst/>
+      </p:bgPr>
+    </p:bg>
+    <p:spTree>
+      <p:nvGrpSpPr>
+        <p:cNvPr id="1" name=""/>
+        <p:cNvGrpSpPr/>
+        <p:nvPr/>
+      </p:nvGrpSpPr>
+      <p:grpSpPr>
+        <a:xfrm>
+          <a:off x="0" y="0"/>
+          <a:ext cx="0" cy="0"/>
+          <a:chOff x="0" y="0"/>
+          <a:chExt cx="0" cy="0"/>
+        </a:xfrm>
+      </p:grpSpPr>
+      <p:sp>
+        <p:nvSpPr>
+          <p:cNvPr id="2" name="タイトル 1">
+            <a:extLst>
+              <a:ext uri="{FF2B5EF4-FFF2-40B4-BE49-F238E27FC236}">
+                <a16:creationId xmlns:a16="http://schemas.microsoft.com/office/drawing/2014/main" id="{213BF3A1-DD1D-4165-8052-62BFF812FAFA}"/>
+              </a:ext>
+            </a:extLst>
+          </p:cNvPr>
+          <p:cNvSpPr>
+            <a:spLocks noGrp="1"/>
+          </p:cNvSpPr>
+          <p:nvPr>
+            <p:ph type="title"/>
+          </p:nvPr>
+        </p:nvSpPr>
+        <p:spPr/>
+        <p:txBody>
+          <a:bodyPr/>
+          <a:lstStyle/>
+          <a:p>
+            <a:r>
+              <a:rPr lang="en-US" altLang="ja-JP" dirty="0"/>
+              <a:t>vehicle</a:t>
+            </a:r>
+            <a:endParaRPr kumimoji="1" lang="ja-JP" altLang="en-US" dirty="0"/>
+          </a:p>
+        </p:txBody>
+      </p:sp>
+      <p:sp>
+        <p:nvSpPr>
+          <p:cNvPr id="4" name="スライド番号プレースホルダー 3">
+            <a:extLst>
+              <a:ext uri="{FF2B5EF4-FFF2-40B4-BE49-F238E27FC236}">
+                <a16:creationId xmlns:a16="http://schemas.microsoft.com/office/drawing/2014/main" id="{9E26C73A-46DA-490C-8540-14B45B4AE3FE}"/>
+              </a:ext>
+            </a:extLst>
+          </p:cNvPr>
+          <p:cNvSpPr>
+            <a:spLocks noGrp="1"/>
+          </p:cNvSpPr>
+          <p:nvPr>
+            <p:ph type="sldNum" sz="quarter" idx="12"/>
+          </p:nvPr>
+        </p:nvSpPr>
+        <p:spPr/>
+        <p:txBody>
+          <a:bodyPr/>
+          <a:lstStyle/>
+          <a:p>
+            <a:fld id="{B5C67937-D10B-4F1B-BCB2-26B69D4AE1E2}" type="slidenum">
+              <a:rPr kumimoji="1" lang="ja-JP" altLang="en-US" smtClean="0"/>
+              <a:pPr/>
+              <a:t>10</a:t>
+            </a:fld>
+            <a:endParaRPr kumimoji="1" lang="ja-JP" altLang="en-US" dirty="0"/>
+          </a:p>
+        </p:txBody>
+      </p:sp>
+      <p:pic>
+        <p:nvPicPr>
+          <p:cNvPr id="7" name="コンテンツ プレースホルダー 6">
+            <a:extLst>
+              <a:ext uri="{FF2B5EF4-FFF2-40B4-BE49-F238E27FC236}">
+                <a16:creationId xmlns:a16="http://schemas.microsoft.com/office/drawing/2014/main" id="{8B9CEECF-D469-43F1-AF88-E2753BBC30C4}"/>
+              </a:ext>
+            </a:extLst>
+          </p:cNvPr>
+          <p:cNvPicPr>
+            <a:picLocks noGrp="1" noChangeAspect="1"/>
+          </p:cNvPicPr>
+          <p:nvPr>
+            <p:ph idx="1"/>
+          </p:nvPr>
+        </p:nvPicPr>
+        <p:blipFill>
+          <a:blip r:embed="rId2"/>
+          <a:stretch>
+            <a:fillRect/>
+          </a:stretch>
+        </p:blipFill>
+        <p:spPr>
+          <a:xfrm>
+            <a:off x="1917110" y="219075"/>
+            <a:ext cx="4894127" cy="5181600"/>
+          </a:xfrm>
+          <a:prstGeom prst="rect">
+            <a:avLst/>
+          </a:prstGeom>
+        </p:spPr>
+      </p:pic>
+    </p:spTree>
+    <p:extLst>
+      <p:ext uri="{BB962C8B-B14F-4D97-AF65-F5344CB8AC3E}">
+        <p14:creationId xmlns:p14="http://schemas.microsoft.com/office/powerpoint/2010/main" val="2465999176"/>
+      </p:ext>
+    </p:extLst>
+  </p:cSld>
+  <p:clrMapOvr>
+    <a:masterClrMapping/>
+  </p:clrMapOvr>
+</p:sld>
+</file>
+
+<file path=ppt/slides/slide11.xml><?xml version="1.0" encoding="utf-8"?>
+<p:sld xmlns:a="http://schemas.openxmlformats.org/drawingml/2006/main" xmlns:r="http://schemas.openxmlformats.org/officeDocument/2006/relationships" xmlns:p="http://schemas.openxmlformats.org/presentationml/2006/main">
+  <p:cSld>
+    <p:bg>
+      <p:bgPr>
+        <a:solidFill>
+          <a:schemeClr val="bg1">
+            <a:alpha val="0"/>
+          </a:schemeClr>
+        </a:solidFill>
+        <a:effectLst/>
+      </p:bgPr>
+    </p:bg>
+    <p:spTree>
+      <p:nvGrpSpPr>
+        <p:cNvPr id="1" name=""/>
+        <p:cNvGrpSpPr/>
+        <p:nvPr/>
+      </p:nvGrpSpPr>
+      <p:grpSpPr>
+        <a:xfrm>
+          <a:off x="0" y="0"/>
+          <a:ext cx="0" cy="0"/>
+          <a:chOff x="0" y="0"/>
+          <a:chExt cx="0" cy="0"/>
+        </a:xfrm>
+      </p:grpSpPr>
+      <p:sp>
+        <p:nvSpPr>
+          <p:cNvPr id="2" name="タイトル 1">
+            <a:extLst>
+              <a:ext uri="{FF2B5EF4-FFF2-40B4-BE49-F238E27FC236}">
+                <a16:creationId xmlns:a16="http://schemas.microsoft.com/office/drawing/2014/main" id="{213BF3A1-DD1D-4165-8052-62BFF812FAFA}"/>
+              </a:ext>
+            </a:extLst>
+          </p:cNvPr>
+          <p:cNvSpPr>
+            <a:spLocks noGrp="1"/>
+          </p:cNvSpPr>
+          <p:nvPr>
+            <p:ph type="title"/>
+          </p:nvPr>
+        </p:nvSpPr>
+        <p:spPr/>
+        <p:txBody>
+          <a:bodyPr/>
+          <a:lstStyle/>
+          <a:p>
+            <a:r>
+              <a:rPr lang="en-US" altLang="ja-JP" dirty="0"/>
+              <a:t>vehicle</a:t>
+            </a:r>
+            <a:endParaRPr kumimoji="1" lang="ja-JP" altLang="en-US" dirty="0"/>
+          </a:p>
+        </p:txBody>
+      </p:sp>
+      <p:sp>
+        <p:nvSpPr>
+          <p:cNvPr id="4" name="スライド番号プレースホルダー 3">
+            <a:extLst>
+              <a:ext uri="{FF2B5EF4-FFF2-40B4-BE49-F238E27FC236}">
+                <a16:creationId xmlns:a16="http://schemas.microsoft.com/office/drawing/2014/main" id="{9E26C73A-46DA-490C-8540-14B45B4AE3FE}"/>
+              </a:ext>
+            </a:extLst>
+          </p:cNvPr>
+          <p:cNvSpPr>
+            <a:spLocks noGrp="1"/>
+          </p:cNvSpPr>
+          <p:nvPr>
+            <p:ph type="sldNum" sz="quarter" idx="12"/>
+          </p:nvPr>
+        </p:nvSpPr>
+        <p:spPr/>
+        <p:txBody>
+          <a:bodyPr/>
+          <a:lstStyle/>
+          <a:p>
+            <a:fld id="{B5C67937-D10B-4F1B-BCB2-26B69D4AE1E2}" type="slidenum">
+              <a:rPr kumimoji="1" lang="ja-JP" altLang="en-US" smtClean="0"/>
+              <a:pPr/>
+              <a:t>11</a:t>
+            </a:fld>
+            <a:endParaRPr kumimoji="1" lang="ja-JP" altLang="en-US" dirty="0"/>
+          </a:p>
+        </p:txBody>
+      </p:sp>
+      <p:pic>
+        <p:nvPicPr>
+          <p:cNvPr id="5" name="コンテンツ プレースホルダー 4">
+            <a:extLst>
+              <a:ext uri="{FF2B5EF4-FFF2-40B4-BE49-F238E27FC236}">
+                <a16:creationId xmlns:a16="http://schemas.microsoft.com/office/drawing/2014/main" id="{D9ED3489-5658-4038-810E-0EB2E8BECEF6}"/>
+              </a:ext>
+            </a:extLst>
+          </p:cNvPr>
+          <p:cNvPicPr>
+            <a:picLocks noGrp="1" noChangeAspect="1"/>
+          </p:cNvPicPr>
+          <p:nvPr>
+            <p:ph idx="1"/>
+          </p:nvPr>
+        </p:nvPicPr>
+        <p:blipFill>
+          <a:blip r:embed="rId2"/>
+          <a:stretch>
+            <a:fillRect/>
+          </a:stretch>
+        </p:blipFill>
+        <p:spPr>
+          <a:xfrm>
+            <a:off x="2026511" y="1260475"/>
+            <a:ext cx="4894127" cy="5181600"/>
+          </a:xfrm>
+          <a:prstGeom prst="rect">
+            <a:avLst/>
+          </a:prstGeom>
+        </p:spPr>
+      </p:pic>
+    </p:spTree>
+    <p:extLst>
+      <p:ext uri="{BB962C8B-B14F-4D97-AF65-F5344CB8AC3E}">
+        <p14:creationId xmlns:p14="http://schemas.microsoft.com/office/powerpoint/2010/main" val="3709733644"/>
+      </p:ext>
+    </p:extLst>
+  </p:cSld>
+  <p:clrMapOvr>
+    <a:masterClrMapping/>
+  </p:clrMapOvr>
+</p:sld>
+</file>
+
+<file path=ppt/slides/slide12.xml><?xml version="1.0" encoding="utf-8"?>
+<p:sld xmlns:a="http://schemas.openxmlformats.org/drawingml/2006/main" xmlns:r="http://schemas.openxmlformats.org/officeDocument/2006/relationships" xmlns:p="http://schemas.openxmlformats.org/presentationml/2006/main">
+  <p:cSld>
+    <p:bg>
+      <p:bgPr>
+        <a:solidFill>
+          <a:schemeClr val="bg1">
+            <a:alpha val="0"/>
+          </a:schemeClr>
+        </a:solidFill>
+        <a:effectLst/>
+      </p:bgPr>
+    </p:bg>
+    <p:spTree>
+      <p:nvGrpSpPr>
+        <p:cNvPr id="1" name=""/>
+        <p:cNvGrpSpPr/>
+        <p:nvPr/>
+      </p:nvGrpSpPr>
+      <p:grpSpPr>
+        <a:xfrm>
+          <a:off x="0" y="0"/>
+          <a:ext cx="0" cy="0"/>
+          <a:chOff x="0" y="0"/>
+          <a:chExt cx="0" cy="0"/>
+        </a:xfrm>
+      </p:grpSpPr>
+      <p:sp>
+        <p:nvSpPr>
+          <p:cNvPr id="2" name="タイトル 1">
+            <a:extLst>
+              <a:ext uri="{FF2B5EF4-FFF2-40B4-BE49-F238E27FC236}">
+                <a16:creationId xmlns:a16="http://schemas.microsoft.com/office/drawing/2014/main" id="{213BF3A1-DD1D-4165-8052-62BFF812FAFA}"/>
+              </a:ext>
+            </a:extLst>
+          </p:cNvPr>
+          <p:cNvSpPr>
+            <a:spLocks noGrp="1"/>
+          </p:cNvSpPr>
+          <p:nvPr>
+            <p:ph type="title"/>
+          </p:nvPr>
+        </p:nvSpPr>
+        <p:spPr/>
+        <p:txBody>
+          <a:bodyPr/>
+          <a:lstStyle/>
+          <a:p>
+            <a:r>
+              <a:rPr lang="en-US" altLang="ja-JP" dirty="0"/>
+              <a:t>vehicle</a:t>
+            </a:r>
+            <a:endParaRPr kumimoji="1" lang="ja-JP" altLang="en-US" dirty="0"/>
+          </a:p>
+        </p:txBody>
+      </p:sp>
+      <p:sp>
+        <p:nvSpPr>
+          <p:cNvPr id="4" name="スライド番号プレースホルダー 3">
+            <a:extLst>
+              <a:ext uri="{FF2B5EF4-FFF2-40B4-BE49-F238E27FC236}">
+                <a16:creationId xmlns:a16="http://schemas.microsoft.com/office/drawing/2014/main" id="{9E26C73A-46DA-490C-8540-14B45B4AE3FE}"/>
+              </a:ext>
+            </a:extLst>
+          </p:cNvPr>
+          <p:cNvSpPr>
+            <a:spLocks noGrp="1"/>
+          </p:cNvSpPr>
+          <p:nvPr>
+            <p:ph type="sldNum" sz="quarter" idx="12"/>
+          </p:nvPr>
+        </p:nvSpPr>
+        <p:spPr/>
+        <p:txBody>
+          <a:bodyPr/>
+          <a:lstStyle/>
+          <a:p>
+            <a:fld id="{B5C67937-D10B-4F1B-BCB2-26B69D4AE1E2}" type="slidenum">
+              <a:rPr kumimoji="1" lang="ja-JP" altLang="en-US" smtClean="0"/>
+              <a:pPr/>
+              <a:t>12</a:t>
+            </a:fld>
+            <a:endParaRPr kumimoji="1" lang="ja-JP" altLang="en-US" dirty="0"/>
+          </a:p>
+        </p:txBody>
+      </p:sp>
+      <p:pic>
+        <p:nvPicPr>
+          <p:cNvPr id="6" name="コンテンツ プレースホルダー 5">
+            <a:extLst>
+              <a:ext uri="{FF2B5EF4-FFF2-40B4-BE49-F238E27FC236}">
+                <a16:creationId xmlns:a16="http://schemas.microsoft.com/office/drawing/2014/main" id="{DBA46326-9B71-474F-8969-934811667A53}"/>
+              </a:ext>
+            </a:extLst>
+          </p:cNvPr>
+          <p:cNvPicPr>
+            <a:picLocks noGrp="1" noChangeAspect="1"/>
+          </p:cNvPicPr>
+          <p:nvPr>
+            <p:ph idx="1"/>
+          </p:nvPr>
+        </p:nvPicPr>
+        <p:blipFill>
+          <a:blip r:embed="rId2"/>
+          <a:stretch>
+            <a:fillRect/>
+          </a:stretch>
+        </p:blipFill>
+        <p:spPr>
+          <a:xfrm>
+            <a:off x="2124936" y="1371600"/>
+            <a:ext cx="4894127" cy="5181600"/>
+          </a:xfrm>
+          <a:prstGeom prst="rect">
+            <a:avLst/>
+          </a:prstGeom>
+        </p:spPr>
+      </p:pic>
+    </p:spTree>
+    <p:extLst>
+      <p:ext uri="{BB962C8B-B14F-4D97-AF65-F5344CB8AC3E}">
+        <p14:creationId xmlns:p14="http://schemas.microsoft.com/office/powerpoint/2010/main" val="500577351"/>
+      </p:ext>
+    </p:extLst>
+  </p:cSld>
+  <p:clrMapOvr>
+    <a:masterClrMapping/>
+  </p:clrMapOvr>
+</p:sld>
+</file>
+
+<file path=ppt/slides/slide13.xml><?xml version="1.0" encoding="utf-8"?>
+<p:sld xmlns:a="http://schemas.openxmlformats.org/drawingml/2006/main" xmlns:r="http://schemas.openxmlformats.org/officeDocument/2006/relationships" xmlns:p="http://schemas.openxmlformats.org/presentationml/2006/main">
+  <p:cSld>
+    <p:bg>
+      <p:bgPr>
+        <a:solidFill>
+          <a:schemeClr val="bg1">
+            <a:alpha val="0"/>
+          </a:schemeClr>
+        </a:solidFill>
+        <a:effectLst/>
+      </p:bgPr>
+    </p:bg>
+    <p:spTree>
+      <p:nvGrpSpPr>
+        <p:cNvPr id="1" name=""/>
+        <p:cNvGrpSpPr/>
+        <p:nvPr/>
+      </p:nvGrpSpPr>
+      <p:grpSpPr>
+        <a:xfrm>
+          <a:off x="0" y="0"/>
+          <a:ext cx="0" cy="0"/>
+          <a:chOff x="0" y="0"/>
+          <a:chExt cx="0" cy="0"/>
+        </a:xfrm>
+      </p:grpSpPr>
+      <p:sp>
+        <p:nvSpPr>
+          <p:cNvPr id="2" name="タイトル 1">
+            <a:extLst>
+              <a:ext uri="{FF2B5EF4-FFF2-40B4-BE49-F238E27FC236}">
+                <a16:creationId xmlns:a16="http://schemas.microsoft.com/office/drawing/2014/main" id="{18DA06AB-3BE4-4DF9-9121-69299C4AF46D}"/>
+              </a:ext>
+            </a:extLst>
+          </p:cNvPr>
+          <p:cNvSpPr>
+            <a:spLocks noGrp="1"/>
+          </p:cNvSpPr>
+          <p:nvPr>
+            <p:ph type="title"/>
+          </p:nvPr>
+        </p:nvSpPr>
+        <p:spPr/>
+        <p:txBody>
+          <a:bodyPr/>
+          <a:lstStyle/>
+          <a:p>
+            <a:r>
+              <a:rPr kumimoji="1" lang="en-US" altLang="ja-JP" dirty="0"/>
+              <a:t>sonar</a:t>
+            </a:r>
+            <a:endParaRPr kumimoji="1" lang="ja-JP" altLang="en-US" dirty="0"/>
+          </a:p>
+        </p:txBody>
+      </p:sp>
+      <p:pic>
+        <p:nvPicPr>
+          <p:cNvPr id="5" name="コンテンツ プレースホルダー 4">
+            <a:extLst>
+              <a:ext uri="{FF2B5EF4-FFF2-40B4-BE49-F238E27FC236}">
+                <a16:creationId xmlns:a16="http://schemas.microsoft.com/office/drawing/2014/main" id="{671A546F-DF92-4E16-88DF-57F81011C0AB}"/>
+              </a:ext>
+            </a:extLst>
+          </p:cNvPr>
+          <p:cNvPicPr>
+            <a:picLocks noGrp="1" noChangeAspect="1"/>
+          </p:cNvPicPr>
+          <p:nvPr>
+            <p:ph idx="1"/>
+          </p:nvPr>
+        </p:nvPicPr>
+        <p:blipFill>
+          <a:blip r:embed="rId2"/>
+          <a:stretch>
+            <a:fillRect/>
+          </a:stretch>
+        </p:blipFill>
+        <p:spPr>
+          <a:xfrm>
+            <a:off x="2171153" y="2387241"/>
+            <a:ext cx="4801694" cy="3150318"/>
+          </a:xfrm>
+          <a:prstGeom prst="rect">
+            <a:avLst/>
+          </a:prstGeom>
+        </p:spPr>
+      </p:pic>
+      <p:sp>
+        <p:nvSpPr>
+          <p:cNvPr id="4" name="スライド番号プレースホルダー 3">
+            <a:extLst>
+              <a:ext uri="{FF2B5EF4-FFF2-40B4-BE49-F238E27FC236}">
+                <a16:creationId xmlns:a16="http://schemas.microsoft.com/office/drawing/2014/main" id="{DBC5590C-AF35-480D-BB94-E8724F23F560}"/>
+              </a:ext>
+            </a:extLst>
+          </p:cNvPr>
+          <p:cNvSpPr>
+            <a:spLocks noGrp="1"/>
+          </p:cNvSpPr>
+          <p:nvPr>
+            <p:ph type="sldNum" sz="quarter" idx="12"/>
+          </p:nvPr>
+        </p:nvSpPr>
+        <p:spPr/>
+        <p:txBody>
+          <a:bodyPr/>
+          <a:lstStyle/>
+          <a:p>
+            <a:fld id="{B5C67937-D10B-4F1B-BCB2-26B69D4AE1E2}" type="slidenum">
+              <a:rPr kumimoji="1" lang="ja-JP" altLang="en-US" smtClean="0"/>
+              <a:pPr/>
+              <a:t>13</a:t>
+            </a:fld>
+            <a:endParaRPr kumimoji="1" lang="ja-JP" altLang="en-US" dirty="0"/>
+          </a:p>
+        </p:txBody>
+      </p:sp>
+      <p:sp>
+        <p:nvSpPr>
+          <p:cNvPr id="6" name="テキスト ボックス 5">
+            <a:extLst>
+              <a:ext uri="{FF2B5EF4-FFF2-40B4-BE49-F238E27FC236}">
+                <a16:creationId xmlns:a16="http://schemas.microsoft.com/office/drawing/2014/main" id="{8F5FFA4E-0F33-40B2-9E26-148A139D58E4}"/>
+              </a:ext>
+            </a:extLst>
+          </p:cNvPr>
+          <p:cNvSpPr txBox="1"/>
+          <p:nvPr/>
+        </p:nvSpPr>
+        <p:spPr>
+          <a:xfrm>
+            <a:off x="246743" y="1180560"/>
+            <a:ext cx="2815772" cy="1200329"/>
+          </a:xfrm>
+          <a:prstGeom prst="rect">
+            <a:avLst/>
+          </a:prstGeom>
+          <a:solidFill>
+            <a:srgbClr val="FFFFFF"/>
+          </a:solidFill>
+        </p:spPr>
+        <p:style>
+          <a:lnRef idx="2">
+            <a:schemeClr val="dk1"/>
+          </a:lnRef>
+          <a:fillRef idx="1">
+            <a:schemeClr val="lt1"/>
+          </a:fillRef>
+          <a:effectRef idx="0">
+            <a:schemeClr val="dk1"/>
+          </a:effectRef>
+          <a:fontRef idx="minor">
+            <a:schemeClr val="dk1"/>
+          </a:fontRef>
+        </p:style>
+        <p:txBody>
+          <a:bodyPr wrap="square" rtlCol="0">
+            <a:spAutoFit/>
+          </a:bodyPr>
+          <a:lstStyle/>
+          <a:p>
+            <a:pPr algn="ctr"/>
+            <a:r>
+              <a:rPr lang="ja-JP" altLang="en-US" sz="2400" dirty="0"/>
+              <a:t>パターン数</a:t>
+            </a:r>
+            <a:r>
+              <a:rPr lang="en-US" altLang="ja-JP" sz="2400" dirty="0"/>
+              <a:t>:200</a:t>
+            </a:r>
+          </a:p>
+          <a:p>
+            <a:pPr algn="ctr"/>
+            <a:r>
+              <a:rPr kumimoji="1" lang="ja-JP" altLang="en-US" sz="2400" dirty="0"/>
+              <a:t>属性数</a:t>
+            </a:r>
+            <a:r>
+              <a:rPr kumimoji="1" lang="en-US" altLang="ja-JP" sz="2400" dirty="0"/>
+              <a:t>:60</a:t>
+            </a:r>
+          </a:p>
+          <a:p>
+            <a:pPr algn="ctr"/>
+            <a:r>
+              <a:rPr kumimoji="1" lang="ja-JP" altLang="en-US" sz="2400" dirty="0"/>
+              <a:t>クラス数</a:t>
+            </a:r>
+            <a:r>
+              <a:rPr kumimoji="1" lang="en-US" altLang="ja-JP" sz="2400"/>
+              <a:t>:2</a:t>
+            </a:r>
+            <a:endParaRPr kumimoji="1" lang="ja-JP" altLang="en-US" sz="2400" dirty="0"/>
+          </a:p>
+        </p:txBody>
+      </p:sp>
+    </p:spTree>
+    <p:extLst>
+      <p:ext uri="{BB962C8B-B14F-4D97-AF65-F5344CB8AC3E}">
+        <p14:creationId xmlns:p14="http://schemas.microsoft.com/office/powerpoint/2010/main" val="235996216"/>
+      </p:ext>
+    </p:extLst>
+  </p:cSld>
+  <p:clrMapOvr>
+    <a:masterClrMapping/>
+  </p:clrMapOvr>
+</p:sld>
+</file>
+
+<file path=ppt/slides/slide14.xml><?xml version="1.0" encoding="utf-8"?>
+<p:sld xmlns:a="http://schemas.openxmlformats.org/drawingml/2006/main" xmlns:r="http://schemas.openxmlformats.org/officeDocument/2006/relationships" xmlns:p="http://schemas.openxmlformats.org/presentationml/2006/main">
+  <p:cSld>
+    <p:bg>
+      <p:bgPr>
+        <a:solidFill>
+          <a:schemeClr val="bg1">
+            <a:alpha val="0"/>
+          </a:schemeClr>
+        </a:solidFill>
+        <a:effectLst/>
+      </p:bgPr>
+    </p:bg>
+    <p:spTree>
+      <p:nvGrpSpPr>
+        <p:cNvPr id="1" name=""/>
+        <p:cNvGrpSpPr/>
+        <p:nvPr/>
+      </p:nvGrpSpPr>
+      <p:grpSpPr>
+        <a:xfrm>
+          <a:off x="0" y="0"/>
+          <a:ext cx="0" cy="0"/>
+          <a:chOff x="0" y="0"/>
+          <a:chExt cx="0" cy="0"/>
+        </a:xfrm>
+      </p:grpSpPr>
+      <p:sp>
+        <p:nvSpPr>
+          <p:cNvPr id="2" name="タイトル 1">
+            <a:extLst>
+              <a:ext uri="{FF2B5EF4-FFF2-40B4-BE49-F238E27FC236}">
+                <a16:creationId xmlns:a16="http://schemas.microsoft.com/office/drawing/2014/main" id="{40C87D42-F293-4A0E-9EB1-68D8911C9F46}"/>
+              </a:ext>
+            </a:extLst>
+          </p:cNvPr>
+          <p:cNvSpPr>
+            <a:spLocks noGrp="1"/>
+          </p:cNvSpPr>
+          <p:nvPr>
+            <p:ph type="title"/>
+          </p:nvPr>
+        </p:nvSpPr>
+        <p:spPr/>
+        <p:txBody>
+          <a:bodyPr/>
+          <a:lstStyle/>
+          <a:p>
+            <a:r>
+              <a:rPr kumimoji="1" lang="en-US" altLang="ja-JP" dirty="0"/>
+              <a:t>yeast</a:t>
+            </a:r>
+            <a:endParaRPr kumimoji="1" lang="ja-JP" altLang="en-US" dirty="0"/>
+          </a:p>
+        </p:txBody>
+      </p:sp>
+      <p:pic>
+        <p:nvPicPr>
+          <p:cNvPr id="5" name="コンテンツ プレースホルダー 4">
+            <a:extLst>
+              <a:ext uri="{FF2B5EF4-FFF2-40B4-BE49-F238E27FC236}">
+                <a16:creationId xmlns:a16="http://schemas.microsoft.com/office/drawing/2014/main" id="{A5D1A05B-1F30-4022-A4F5-C834B5BD883B}"/>
+              </a:ext>
+            </a:extLst>
+          </p:cNvPr>
+          <p:cNvPicPr>
+            <a:picLocks noGrp="1" noChangeAspect="1"/>
+          </p:cNvPicPr>
+          <p:nvPr>
+            <p:ph idx="1"/>
+          </p:nvPr>
+        </p:nvPicPr>
+        <p:blipFill>
+          <a:blip r:embed="rId2"/>
+          <a:stretch>
+            <a:fillRect/>
+          </a:stretch>
+        </p:blipFill>
+        <p:spPr>
+          <a:xfrm>
+            <a:off x="2234667" y="2387241"/>
+            <a:ext cx="4674665" cy="3150318"/>
+          </a:xfrm>
+          <a:prstGeom prst="rect">
+            <a:avLst/>
+          </a:prstGeom>
+        </p:spPr>
+      </p:pic>
+      <p:sp>
+        <p:nvSpPr>
+          <p:cNvPr id="4" name="スライド番号プレースホルダー 3">
+            <a:extLst>
+              <a:ext uri="{FF2B5EF4-FFF2-40B4-BE49-F238E27FC236}">
+                <a16:creationId xmlns:a16="http://schemas.microsoft.com/office/drawing/2014/main" id="{371C3F64-E60D-4EDC-B4F8-51A3B44A2973}"/>
+              </a:ext>
+            </a:extLst>
+          </p:cNvPr>
+          <p:cNvSpPr>
+            <a:spLocks noGrp="1"/>
+          </p:cNvSpPr>
+          <p:nvPr>
+            <p:ph type="sldNum" sz="quarter" idx="12"/>
+          </p:nvPr>
+        </p:nvSpPr>
+        <p:spPr/>
+        <p:txBody>
+          <a:bodyPr/>
+          <a:lstStyle/>
+          <a:p>
+            <a:fld id="{B5C67937-D10B-4F1B-BCB2-26B69D4AE1E2}" type="slidenum">
+              <a:rPr kumimoji="1" lang="ja-JP" altLang="en-US" smtClean="0"/>
+              <a:pPr/>
+              <a:t>14</a:t>
+            </a:fld>
+            <a:endParaRPr kumimoji="1" lang="ja-JP" altLang="en-US" dirty="0"/>
+          </a:p>
+        </p:txBody>
+      </p:sp>
+      <p:sp>
+        <p:nvSpPr>
+          <p:cNvPr id="6" name="テキスト ボックス 5">
+            <a:extLst>
+              <a:ext uri="{FF2B5EF4-FFF2-40B4-BE49-F238E27FC236}">
+                <a16:creationId xmlns:a16="http://schemas.microsoft.com/office/drawing/2014/main" id="{5313F70A-D339-4864-A59C-637A1B1BAF48}"/>
+              </a:ext>
+            </a:extLst>
+          </p:cNvPr>
+          <p:cNvSpPr txBox="1"/>
+          <p:nvPr/>
+        </p:nvSpPr>
+        <p:spPr>
+          <a:xfrm>
+            <a:off x="246743" y="1180560"/>
+            <a:ext cx="2815772" cy="1200329"/>
+          </a:xfrm>
+          <a:prstGeom prst="rect">
+            <a:avLst/>
+          </a:prstGeom>
+          <a:solidFill>
+            <a:srgbClr val="FFFFFF"/>
+          </a:solidFill>
+        </p:spPr>
+        <p:style>
+          <a:lnRef idx="2">
+            <a:schemeClr val="dk1"/>
+          </a:lnRef>
+          <a:fillRef idx="1">
+            <a:schemeClr val="lt1"/>
+          </a:fillRef>
+          <a:effectRef idx="0">
+            <a:schemeClr val="dk1"/>
+          </a:effectRef>
+          <a:fontRef idx="minor">
+            <a:schemeClr val="dk1"/>
+          </a:fontRef>
+        </p:style>
+        <p:txBody>
+          <a:bodyPr wrap="square" rtlCol="0">
+            <a:spAutoFit/>
+          </a:bodyPr>
+          <a:lstStyle/>
+          <a:p>
+            <a:pPr algn="ctr"/>
+            <a:r>
+              <a:rPr lang="ja-JP" altLang="en-US" sz="2400" dirty="0"/>
+              <a:t>パターン数</a:t>
+            </a:r>
+            <a:r>
+              <a:rPr lang="en-US" altLang="ja-JP" sz="2400" dirty="0"/>
+              <a:t>:</a:t>
+            </a:r>
+            <a:r>
+              <a:rPr lang="en-US" altLang="ja-JP" dirty="0"/>
+              <a:t>1484</a:t>
+            </a:r>
+            <a:endParaRPr lang="en-US" altLang="ja-JP" sz="2400" dirty="0"/>
+          </a:p>
+          <a:p>
+            <a:pPr algn="ctr"/>
+            <a:r>
+              <a:rPr kumimoji="1" lang="ja-JP" altLang="en-US" sz="2400" dirty="0"/>
+              <a:t>属性数</a:t>
+            </a:r>
+            <a:r>
+              <a:rPr kumimoji="1" lang="en-US" altLang="ja-JP" sz="2400" dirty="0"/>
+              <a:t>:8</a:t>
+            </a:r>
+          </a:p>
+          <a:p>
+            <a:pPr algn="ctr"/>
+            <a:r>
+              <a:rPr kumimoji="1" lang="ja-JP" altLang="en-US" sz="2400" dirty="0"/>
+              <a:t>クラス数</a:t>
+            </a:r>
+            <a:r>
+              <a:rPr kumimoji="1" lang="en-US" altLang="ja-JP" sz="2400" dirty="0"/>
+              <a:t>:10</a:t>
+            </a:r>
+            <a:endParaRPr kumimoji="1" lang="ja-JP" altLang="en-US" sz="2400" dirty="0"/>
+          </a:p>
+        </p:txBody>
+      </p:sp>
+    </p:spTree>
+    <p:extLst>
+      <p:ext uri="{BB962C8B-B14F-4D97-AF65-F5344CB8AC3E}">
+        <p14:creationId xmlns:p14="http://schemas.microsoft.com/office/powerpoint/2010/main" val="1716200204"/>
+      </p:ext>
+    </p:extLst>
+  </p:cSld>
+  <p:clrMapOvr>
+    <a:masterClrMapping/>
+  </p:clrMapOvr>
+</p:sld>
+</file>
+
+<file path=ppt/slides/slide15.xml><?xml version="1.0" encoding="utf-8"?>
 <p:sld xmlns:a="http://schemas.openxmlformats.org/drawingml/2006/main" xmlns:r="http://schemas.openxmlformats.org/officeDocument/2006/relationships" xmlns:p="http://schemas.openxmlformats.org/presentationml/2006/main">
   <p:cSld>
     <p:spTree>
@@ -3916,7 +4949,7 @@
           <p:cNvPr id="2" name="タイトル 1">
             <a:extLst>
               <a:ext uri="{FF2B5EF4-FFF2-40B4-BE49-F238E27FC236}">
-                <a16:creationId xmlns:a16="http://schemas.microsoft.com/office/drawing/2014/main" id="{F94864C3-FBE0-43AB-83BD-BA1801CDD608}"/>
+                <a16:creationId xmlns:a16="http://schemas.microsoft.com/office/drawing/2014/main" id="{3A6095B8-1B14-4344-9400-3C565B00ADF6}"/>
               </a:ext>
             </a:extLst>
           </p:cNvPr>
@@ -3933,14 +4966,13 @@
           <a:lstStyle/>
           <a:p>
             <a:r>
-              <a:rPr lang="en-US" altLang="ja-JP" dirty="0"/>
-              <a:t>Iris</a:t>
-            </a:r>
-            <a:r>
-              <a:rPr lang="ja-JP" altLang="en-US" dirty="0"/>
-              <a:t> １ルール</a:t>
-            </a:r>
-            <a:endParaRPr kumimoji="1" lang="ja-JP" altLang="en-US" dirty="0"/>
+              <a:rPr kumimoji="1" lang="en-US" altLang="ja-JP" dirty="0"/>
+              <a:t>Iris </a:t>
+            </a:r>
+            <a:r>
+              <a:rPr kumimoji="1" lang="ja-JP" altLang="en-US" dirty="0"/>
+              <a:t>個体</a:t>
+            </a:r>
           </a:p>
         </p:txBody>
       </p:sp>
@@ -3949,7 +4981,7 @@
           <p:cNvPr id="5" name="コンテンツ プレースホルダー 4">
             <a:extLst>
               <a:ext uri="{FF2B5EF4-FFF2-40B4-BE49-F238E27FC236}">
-                <a16:creationId xmlns:a16="http://schemas.microsoft.com/office/drawing/2014/main" id="{DBC1FB64-2E2C-4154-818A-3125B1A703D3}"/>
+                <a16:creationId xmlns:a16="http://schemas.microsoft.com/office/drawing/2014/main" id="{E8A5444A-E443-4159-B995-6C1E661981DF}"/>
               </a:ext>
             </a:extLst>
           </p:cNvPr>
@@ -3981,7 +5013,7 @@
           <p:cNvPr id="4" name="スライド番号プレースホルダー 3">
             <a:extLst>
               <a:ext uri="{FF2B5EF4-FFF2-40B4-BE49-F238E27FC236}">
-                <a16:creationId xmlns:a16="http://schemas.microsoft.com/office/drawing/2014/main" id="{48588AE3-FF9B-493C-A87B-B2FDC29C55A5}"/>
+                <a16:creationId xmlns:a16="http://schemas.microsoft.com/office/drawing/2014/main" id="{18DA86A0-97F2-472F-B8B6-FDA3C369B990}"/>
               </a:ext>
             </a:extLst>
           </p:cNvPr>
@@ -4009,7 +5041,7 @@
     </p:spTree>
     <p:extLst>
       <p:ext uri="{BB962C8B-B14F-4D97-AF65-F5344CB8AC3E}">
-        <p14:creationId xmlns:p14="http://schemas.microsoft.com/office/powerpoint/2010/main" val="1203014809"/>
+        <p14:creationId xmlns:p14="http://schemas.microsoft.com/office/powerpoint/2010/main" val="3431739540"/>
       </p:ext>
     </p:extLst>
   </p:cSld>
@@ -4020,6 +5052,141 @@
 </file>
 
 <file path=ppt/slides/slide3.xml><?xml version="1.0" encoding="utf-8"?>
+<p:sld xmlns:a="http://schemas.openxmlformats.org/drawingml/2006/main" xmlns:r="http://schemas.openxmlformats.org/officeDocument/2006/relationships" xmlns:p="http://schemas.openxmlformats.org/presentationml/2006/main">
+  <p:cSld>
+    <p:bg>
+      <p:bgPr>
+        <a:solidFill>
+          <a:schemeClr val="bg1">
+            <a:alpha val="0"/>
+          </a:schemeClr>
+        </a:solidFill>
+        <a:effectLst/>
+      </p:bgPr>
+    </p:bg>
+    <p:spTree>
+      <p:nvGrpSpPr>
+        <p:cNvPr id="1" name=""/>
+        <p:cNvGrpSpPr/>
+        <p:nvPr/>
+      </p:nvGrpSpPr>
+      <p:grpSpPr>
+        <a:xfrm>
+          <a:off x="0" y="0"/>
+          <a:ext cx="0" cy="0"/>
+          <a:chOff x="0" y="0"/>
+          <a:chExt cx="0" cy="0"/>
+        </a:xfrm>
+      </p:grpSpPr>
+      <p:sp>
+        <p:nvSpPr>
+          <p:cNvPr id="2" name="タイトル 1">
+            <a:extLst>
+              <a:ext uri="{FF2B5EF4-FFF2-40B4-BE49-F238E27FC236}">
+                <a16:creationId xmlns:a16="http://schemas.microsoft.com/office/drawing/2014/main" id="{7938104B-1DE3-474E-98AB-047BCE10928C}"/>
+              </a:ext>
+            </a:extLst>
+          </p:cNvPr>
+          <p:cNvSpPr>
+            <a:spLocks noGrp="1"/>
+          </p:cNvSpPr>
+          <p:nvPr>
+            <p:ph type="title"/>
+          </p:nvPr>
+        </p:nvSpPr>
+        <p:spPr/>
+        <p:txBody>
+          <a:bodyPr/>
+          <a:lstStyle/>
+          <a:p>
+            <a:r>
+              <a:rPr lang="en-US" altLang="ja-JP" dirty="0"/>
+              <a:t>Iris </a:t>
+            </a:r>
+            <a:r>
+              <a:rPr lang="ja-JP" altLang="en-US" dirty="0"/>
+              <a:t>個体</a:t>
+            </a:r>
+            <a:endParaRPr kumimoji="1" lang="ja-JP" altLang="en-US" dirty="0"/>
+          </a:p>
+        </p:txBody>
+      </p:sp>
+      <p:sp>
+        <p:nvSpPr>
+          <p:cNvPr id="4" name="スライド番号プレースホルダー 3">
+            <a:extLst>
+              <a:ext uri="{FF2B5EF4-FFF2-40B4-BE49-F238E27FC236}">
+                <a16:creationId xmlns:a16="http://schemas.microsoft.com/office/drawing/2014/main" id="{CDF233CC-500F-4A46-AF8E-E4F31E7CDC5D}"/>
+              </a:ext>
+            </a:extLst>
+          </p:cNvPr>
+          <p:cNvSpPr>
+            <a:spLocks noGrp="1"/>
+          </p:cNvSpPr>
+          <p:nvPr>
+            <p:ph type="sldNum" sz="quarter" idx="12"/>
+          </p:nvPr>
+        </p:nvSpPr>
+        <p:spPr/>
+        <p:txBody>
+          <a:bodyPr/>
+          <a:lstStyle/>
+          <a:p>
+            <a:fld id="{B5C67937-D10B-4F1B-BCB2-26B69D4AE1E2}" type="slidenum">
+              <a:rPr kumimoji="1" lang="ja-JP" altLang="en-US" smtClean="0"/>
+              <a:pPr/>
+              <a:t>3</a:t>
+            </a:fld>
+            <a:endParaRPr kumimoji="1" lang="ja-JP" altLang="en-US" dirty="0"/>
+          </a:p>
+        </p:txBody>
+      </p:sp>
+      <p:pic>
+        <p:nvPicPr>
+          <p:cNvPr id="7" name="コンテンツ プレースホルダー 6">
+            <a:extLst>
+              <a:ext uri="{FF2B5EF4-FFF2-40B4-BE49-F238E27FC236}">
+                <a16:creationId xmlns:a16="http://schemas.microsoft.com/office/drawing/2014/main" id="{EBE4C0FA-C852-4DE6-A78B-492FA46F7314}"/>
+              </a:ext>
+            </a:extLst>
+          </p:cNvPr>
+          <p:cNvPicPr>
+            <a:picLocks noGrp="1" noChangeAspect="1"/>
+          </p:cNvPicPr>
+          <p:nvPr>
+            <p:ph idx="1"/>
+          </p:nvPr>
+        </p:nvPicPr>
+        <p:blipFill>
+          <a:blip r:embed="rId2"/>
+          <a:stretch>
+            <a:fillRect/>
+          </a:stretch>
+        </p:blipFill>
+        <p:spPr>
+          <a:xfrm>
+            <a:off x="228600" y="1411915"/>
+            <a:ext cx="8686800" cy="5100969"/>
+          </a:xfrm>
+          <a:prstGeom prst="rect">
+            <a:avLst/>
+          </a:prstGeom>
+        </p:spPr>
+      </p:pic>
+    </p:spTree>
+    <p:extLst>
+      <p:ext uri="{BB962C8B-B14F-4D97-AF65-F5344CB8AC3E}">
+        <p14:creationId xmlns:p14="http://schemas.microsoft.com/office/powerpoint/2010/main" val="1812730445"/>
+      </p:ext>
+    </p:extLst>
+  </p:cSld>
+  <p:clrMapOvr>
+    <a:masterClrMapping/>
+  </p:clrMapOvr>
+</p:sld>
+</file>
+
+<file path=ppt/slides/slide4.xml><?xml version="1.0" encoding="utf-8"?>
 <p:sld xmlns:a="http://schemas.openxmlformats.org/drawingml/2006/main" xmlns:r="http://schemas.openxmlformats.org/officeDocument/2006/relationships" xmlns:p="http://schemas.openxmlformats.org/presentationml/2006/main">
   <p:cSld>
     <p:bg>
@@ -4131,7 +5298,7 @@
             <a:fld id="{B5C67937-D10B-4F1B-BCB2-26B69D4AE1E2}" type="slidenum">
               <a:rPr kumimoji="1" lang="ja-JP" altLang="en-US" smtClean="0"/>
               <a:pPr/>
-              <a:t>3</a:t>
+              <a:t>4</a:t>
             </a:fld>
             <a:endParaRPr kumimoji="1" lang="ja-JP" altLang="en-US" dirty="0"/>
           </a:p>
@@ -4220,221 +5387,6 @@
     <p:extLst>
       <p:ext uri="{BB962C8B-B14F-4D97-AF65-F5344CB8AC3E}">
         <p14:creationId xmlns:p14="http://schemas.microsoft.com/office/powerpoint/2010/main" val="4098766253"/>
-      </p:ext>
-    </p:extLst>
-  </p:cSld>
-  <p:clrMapOvr>
-    <a:masterClrMapping/>
-  </p:clrMapOvr>
-</p:sld>
-</file>
-
-<file path=ppt/slides/slide4.xml><?xml version="1.0" encoding="utf-8"?>
-<p:sld xmlns:a="http://schemas.openxmlformats.org/drawingml/2006/main" xmlns:r="http://schemas.openxmlformats.org/officeDocument/2006/relationships" xmlns:p="http://schemas.openxmlformats.org/presentationml/2006/main">
-  <p:cSld>
-    <p:bg>
-      <p:bgPr>
-        <a:solidFill>
-          <a:schemeClr val="bg1">
-            <a:alpha val="0"/>
-          </a:schemeClr>
-        </a:solidFill>
-        <a:effectLst/>
-      </p:bgPr>
-    </p:bg>
-    <p:spTree>
-      <p:nvGrpSpPr>
-        <p:cNvPr id="1" name=""/>
-        <p:cNvGrpSpPr/>
-        <p:nvPr/>
-      </p:nvGrpSpPr>
-      <p:grpSpPr>
-        <a:xfrm>
-          <a:off x="0" y="0"/>
-          <a:ext cx="0" cy="0"/>
-          <a:chOff x="0" y="0"/>
-          <a:chExt cx="0" cy="0"/>
-        </a:xfrm>
-      </p:grpSpPr>
-      <p:sp>
-        <p:nvSpPr>
-          <p:cNvPr id="2" name="タイトル 1">
-            <a:extLst>
-              <a:ext uri="{FF2B5EF4-FFF2-40B4-BE49-F238E27FC236}">
-                <a16:creationId xmlns:a16="http://schemas.microsoft.com/office/drawing/2014/main" id="{40C87D42-F293-4A0E-9EB1-68D8911C9F46}"/>
-              </a:ext>
-            </a:extLst>
-          </p:cNvPr>
-          <p:cNvSpPr>
-            <a:spLocks noGrp="1"/>
-          </p:cNvSpPr>
-          <p:nvPr>
-            <p:ph type="title"/>
-          </p:nvPr>
-        </p:nvSpPr>
-        <p:spPr/>
-        <p:txBody>
-          <a:bodyPr/>
-          <a:lstStyle/>
-          <a:p>
-            <a:r>
-              <a:rPr kumimoji="1" lang="en-US" altLang="ja-JP" dirty="0"/>
-              <a:t>yeast</a:t>
-            </a:r>
-            <a:endParaRPr kumimoji="1" lang="ja-JP" altLang="en-US" dirty="0"/>
-          </a:p>
-        </p:txBody>
-      </p:sp>
-      <p:pic>
-        <p:nvPicPr>
-          <p:cNvPr id="5" name="コンテンツ プレースホルダー 4">
-            <a:extLst>
-              <a:ext uri="{FF2B5EF4-FFF2-40B4-BE49-F238E27FC236}">
-                <a16:creationId xmlns:a16="http://schemas.microsoft.com/office/drawing/2014/main" id="{A5D1A05B-1F30-4022-A4F5-C834B5BD883B}"/>
-              </a:ext>
-            </a:extLst>
-          </p:cNvPr>
-          <p:cNvPicPr>
-            <a:picLocks noGrp="1" noChangeAspect="1"/>
-          </p:cNvPicPr>
-          <p:nvPr>
-            <p:ph idx="1"/>
-          </p:nvPr>
-        </p:nvPicPr>
-        <p:blipFill>
-          <a:blip r:embed="rId2"/>
-          <a:stretch>
-            <a:fillRect/>
-          </a:stretch>
-        </p:blipFill>
-        <p:spPr>
-          <a:xfrm>
-            <a:off x="2234667" y="2387241"/>
-            <a:ext cx="4674665" cy="3150318"/>
-          </a:xfrm>
-          <a:prstGeom prst="rect">
-            <a:avLst/>
-          </a:prstGeom>
-        </p:spPr>
-      </p:pic>
-      <p:sp>
-        <p:nvSpPr>
-          <p:cNvPr id="4" name="スライド番号プレースホルダー 3">
-            <a:extLst>
-              <a:ext uri="{FF2B5EF4-FFF2-40B4-BE49-F238E27FC236}">
-                <a16:creationId xmlns:a16="http://schemas.microsoft.com/office/drawing/2014/main" id="{371C3F64-E60D-4EDC-B4F8-51A3B44A2973}"/>
-              </a:ext>
-            </a:extLst>
-          </p:cNvPr>
-          <p:cNvSpPr>
-            <a:spLocks noGrp="1"/>
-          </p:cNvSpPr>
-          <p:nvPr>
-            <p:ph type="sldNum" sz="quarter" idx="12"/>
-          </p:nvPr>
-        </p:nvSpPr>
-        <p:spPr/>
-        <p:txBody>
-          <a:bodyPr/>
-          <a:lstStyle/>
-          <a:p>
-            <a:fld id="{B5C67937-D10B-4F1B-BCB2-26B69D4AE1E2}" type="slidenum">
-              <a:rPr kumimoji="1" lang="ja-JP" altLang="en-US" smtClean="0"/>
-              <a:pPr/>
-              <a:t>4</a:t>
-            </a:fld>
-            <a:endParaRPr kumimoji="1" lang="ja-JP" altLang="en-US" dirty="0"/>
-          </a:p>
-        </p:txBody>
-      </p:sp>
-      <p:sp>
-        <p:nvSpPr>
-          <p:cNvPr id="6" name="テキスト ボックス 5">
-            <a:extLst>
-              <a:ext uri="{FF2B5EF4-FFF2-40B4-BE49-F238E27FC236}">
-                <a16:creationId xmlns:a16="http://schemas.microsoft.com/office/drawing/2014/main" id="{5313F70A-D339-4864-A59C-637A1B1BAF48}"/>
-              </a:ext>
-            </a:extLst>
-          </p:cNvPr>
-          <p:cNvSpPr txBox="1"/>
-          <p:nvPr/>
-        </p:nvSpPr>
-        <p:spPr>
-          <a:xfrm>
-            <a:off x="246743" y="1180560"/>
-            <a:ext cx="2815772" cy="1200329"/>
-          </a:xfrm>
-          <a:prstGeom prst="rect">
-            <a:avLst/>
-          </a:prstGeom>
-          <a:solidFill>
-            <a:srgbClr val="FFFFFF"/>
-          </a:solidFill>
-        </p:spPr>
-        <p:style>
-          <a:lnRef idx="2">
-            <a:schemeClr val="dk1"/>
-          </a:lnRef>
-          <a:fillRef idx="1">
-            <a:schemeClr val="lt1"/>
-          </a:fillRef>
-          <a:effectRef idx="0">
-            <a:schemeClr val="dk1"/>
-          </a:effectRef>
-          <a:fontRef idx="minor">
-            <a:schemeClr val="dk1"/>
-          </a:fontRef>
-        </p:style>
-        <p:txBody>
-          <a:bodyPr wrap="square" rtlCol="0">
-            <a:spAutoFit/>
-          </a:bodyPr>
-          <a:lstStyle/>
-          <a:p>
-            <a:pPr algn="ctr"/>
-            <a:r>
-              <a:rPr lang="ja-JP" altLang="en-US" sz="2400" dirty="0"/>
-              <a:t>パターン数</a:t>
-            </a:r>
-            <a:r>
-              <a:rPr lang="en-US" altLang="ja-JP" sz="2400" dirty="0"/>
-              <a:t>:</a:t>
-            </a:r>
-            <a:r>
-              <a:rPr lang="en-US" altLang="ja-JP" dirty="0"/>
-              <a:t>1484</a:t>
-            </a:r>
-            <a:endParaRPr lang="en-US" altLang="ja-JP" sz="2400" dirty="0"/>
-          </a:p>
-          <a:p>
-            <a:pPr algn="ctr"/>
-            <a:r>
-              <a:rPr kumimoji="1" lang="ja-JP" altLang="en-US" sz="2400" dirty="0"/>
-              <a:t>属性数</a:t>
-            </a:r>
-            <a:r>
-              <a:rPr kumimoji="1" lang="en-US" altLang="ja-JP" sz="2400" dirty="0"/>
-              <a:t>:8</a:t>
-            </a:r>
-          </a:p>
-          <a:p>
-            <a:pPr algn="ctr"/>
-            <a:r>
-              <a:rPr kumimoji="1" lang="ja-JP" altLang="en-US" sz="2400" dirty="0"/>
-              <a:t>クラス数</a:t>
-            </a:r>
-            <a:r>
-              <a:rPr kumimoji="1" lang="en-US" altLang="ja-JP" sz="2400" dirty="0"/>
-              <a:t>:10</a:t>
-            </a:r>
-            <a:endParaRPr kumimoji="1" lang="ja-JP" altLang="en-US" sz="2400" dirty="0"/>
-          </a:p>
-        </p:txBody>
-      </p:sp>
-    </p:spTree>
-    <p:extLst>
-      <p:ext uri="{BB962C8B-B14F-4D97-AF65-F5344CB8AC3E}">
-        <p14:creationId xmlns:p14="http://schemas.microsoft.com/office/powerpoint/2010/main" val="1716200204"/>
       </p:ext>
     </p:extLst>
   </p:cSld>
@@ -4686,6 +5638,426 @@
           <p:cNvPr id="2" name="タイトル 1">
             <a:extLst>
               <a:ext uri="{FF2B5EF4-FFF2-40B4-BE49-F238E27FC236}">
+                <a16:creationId xmlns:a16="http://schemas.microsoft.com/office/drawing/2014/main" id="{9F61A8F1-E808-441B-AAFE-1E57A72FC0EF}"/>
+              </a:ext>
+            </a:extLst>
+          </p:cNvPr>
+          <p:cNvSpPr>
+            <a:spLocks noGrp="1"/>
+          </p:cNvSpPr>
+          <p:nvPr>
+            <p:ph type="title"/>
+          </p:nvPr>
+        </p:nvSpPr>
+        <p:spPr/>
+        <p:txBody>
+          <a:bodyPr/>
+          <a:lstStyle/>
+          <a:p>
+            <a:r>
+              <a:rPr kumimoji="1" lang="en-US" altLang="ja-JP" dirty="0"/>
+              <a:t>phoneme</a:t>
+            </a:r>
+            <a:endParaRPr kumimoji="1" lang="ja-JP" altLang="en-US" dirty="0"/>
+          </a:p>
+        </p:txBody>
+      </p:sp>
+      <p:pic>
+        <p:nvPicPr>
+          <p:cNvPr id="5" name="コンテンツ プレースホルダー 4">
+            <a:extLst>
+              <a:ext uri="{FF2B5EF4-FFF2-40B4-BE49-F238E27FC236}">
+                <a16:creationId xmlns:a16="http://schemas.microsoft.com/office/drawing/2014/main" id="{7CA1BE00-87E2-4E13-9CA3-1097EA3D2B39}"/>
+              </a:ext>
+            </a:extLst>
+          </p:cNvPr>
+          <p:cNvPicPr>
+            <a:picLocks noGrp="1" noChangeAspect="1"/>
+          </p:cNvPicPr>
+          <p:nvPr>
+            <p:ph idx="1"/>
+          </p:nvPr>
+        </p:nvPicPr>
+        <p:blipFill>
+          <a:blip r:embed="rId2"/>
+          <a:stretch>
+            <a:fillRect/>
+          </a:stretch>
+        </p:blipFill>
+        <p:spPr>
+          <a:xfrm>
+            <a:off x="2234667" y="2387241"/>
+            <a:ext cx="4674665" cy="3150318"/>
+          </a:xfrm>
+          <a:prstGeom prst="rect">
+            <a:avLst/>
+          </a:prstGeom>
+        </p:spPr>
+      </p:pic>
+      <p:sp>
+        <p:nvSpPr>
+          <p:cNvPr id="4" name="スライド番号プレースホルダー 3">
+            <a:extLst>
+              <a:ext uri="{FF2B5EF4-FFF2-40B4-BE49-F238E27FC236}">
+                <a16:creationId xmlns:a16="http://schemas.microsoft.com/office/drawing/2014/main" id="{CADCB879-A9F7-4164-8FF7-8765F805704F}"/>
+              </a:ext>
+            </a:extLst>
+          </p:cNvPr>
+          <p:cNvSpPr>
+            <a:spLocks noGrp="1"/>
+          </p:cNvSpPr>
+          <p:nvPr>
+            <p:ph type="sldNum" sz="quarter" idx="12"/>
+          </p:nvPr>
+        </p:nvSpPr>
+        <p:spPr/>
+        <p:txBody>
+          <a:bodyPr/>
+          <a:lstStyle/>
+          <a:p>
+            <a:fld id="{B5C67937-D10B-4F1B-BCB2-26B69D4AE1E2}" type="slidenum">
+              <a:rPr kumimoji="1" lang="ja-JP" altLang="en-US" smtClean="0"/>
+              <a:pPr/>
+              <a:t>6</a:t>
+            </a:fld>
+            <a:endParaRPr kumimoji="1" lang="ja-JP" altLang="en-US" dirty="0"/>
+          </a:p>
+        </p:txBody>
+      </p:sp>
+      <p:sp>
+        <p:nvSpPr>
+          <p:cNvPr id="6" name="テキスト ボックス 5">
+            <a:extLst>
+              <a:ext uri="{FF2B5EF4-FFF2-40B4-BE49-F238E27FC236}">
+                <a16:creationId xmlns:a16="http://schemas.microsoft.com/office/drawing/2014/main" id="{8163DCB0-BACF-4FE2-9FD5-7AAF7C8F6473}"/>
+              </a:ext>
+            </a:extLst>
+          </p:cNvPr>
+          <p:cNvSpPr txBox="1"/>
+          <p:nvPr/>
+        </p:nvSpPr>
+        <p:spPr>
+          <a:xfrm>
+            <a:off x="246743" y="1180560"/>
+            <a:ext cx="2815772" cy="1200329"/>
+          </a:xfrm>
+          <a:prstGeom prst="rect">
+            <a:avLst/>
+          </a:prstGeom>
+          <a:solidFill>
+            <a:srgbClr val="FFFFFF"/>
+          </a:solidFill>
+        </p:spPr>
+        <p:style>
+          <a:lnRef idx="2">
+            <a:schemeClr val="dk1"/>
+          </a:lnRef>
+          <a:fillRef idx="1">
+            <a:schemeClr val="lt1"/>
+          </a:fillRef>
+          <a:effectRef idx="0">
+            <a:schemeClr val="dk1"/>
+          </a:effectRef>
+          <a:fontRef idx="minor">
+            <a:schemeClr val="dk1"/>
+          </a:fontRef>
+        </p:style>
+        <p:txBody>
+          <a:bodyPr wrap="square" rtlCol="0">
+            <a:spAutoFit/>
+          </a:bodyPr>
+          <a:lstStyle/>
+          <a:p>
+            <a:pPr algn="ctr"/>
+            <a:r>
+              <a:rPr lang="ja-JP" altLang="en-US" sz="2400" dirty="0"/>
+              <a:t>パターン数</a:t>
+            </a:r>
+            <a:r>
+              <a:rPr lang="en-US" altLang="ja-JP" sz="2400" dirty="0"/>
+              <a:t>:5404</a:t>
+            </a:r>
+          </a:p>
+          <a:p>
+            <a:pPr algn="ctr"/>
+            <a:r>
+              <a:rPr kumimoji="1" lang="ja-JP" altLang="en-US" sz="2400" dirty="0"/>
+              <a:t>属性数</a:t>
+            </a:r>
+            <a:r>
+              <a:rPr kumimoji="1" lang="en-US" altLang="ja-JP" sz="2400" dirty="0"/>
+              <a:t>:5</a:t>
+            </a:r>
+          </a:p>
+          <a:p>
+            <a:pPr algn="ctr"/>
+            <a:r>
+              <a:rPr kumimoji="1" lang="ja-JP" altLang="en-US" sz="2400" dirty="0"/>
+              <a:t>クラス数</a:t>
+            </a:r>
+            <a:r>
+              <a:rPr kumimoji="1" lang="en-US" altLang="ja-JP" sz="2400" dirty="0"/>
+              <a:t>:2</a:t>
+            </a:r>
+            <a:endParaRPr kumimoji="1" lang="ja-JP" altLang="en-US" sz="2400" dirty="0"/>
+          </a:p>
+        </p:txBody>
+      </p:sp>
+    </p:spTree>
+    <p:extLst>
+      <p:ext uri="{BB962C8B-B14F-4D97-AF65-F5344CB8AC3E}">
+        <p14:creationId xmlns:p14="http://schemas.microsoft.com/office/powerpoint/2010/main" val="538742870"/>
+      </p:ext>
+    </p:extLst>
+  </p:cSld>
+  <p:clrMapOvr>
+    <a:masterClrMapping/>
+  </p:clrMapOvr>
+</p:sld>
+</file>
+
+<file path=ppt/slides/slide7.xml><?xml version="1.0" encoding="utf-8"?>
+<p:sld xmlns:a="http://schemas.openxmlformats.org/drawingml/2006/main" xmlns:r="http://schemas.openxmlformats.org/officeDocument/2006/relationships" xmlns:p="http://schemas.openxmlformats.org/presentationml/2006/main">
+  <p:cSld>
+    <p:bg>
+      <p:bgPr>
+        <a:solidFill>
+          <a:schemeClr val="bg1">
+            <a:alpha val="0"/>
+          </a:schemeClr>
+        </a:solidFill>
+        <a:effectLst/>
+      </p:bgPr>
+    </p:bg>
+    <p:spTree>
+      <p:nvGrpSpPr>
+        <p:cNvPr id="1" name=""/>
+        <p:cNvGrpSpPr/>
+        <p:nvPr/>
+      </p:nvGrpSpPr>
+      <p:grpSpPr>
+        <a:xfrm>
+          <a:off x="0" y="0"/>
+          <a:ext cx="0" cy="0"/>
+          <a:chOff x="0" y="0"/>
+          <a:chExt cx="0" cy="0"/>
+        </a:xfrm>
+      </p:grpSpPr>
+      <p:sp>
+        <p:nvSpPr>
+          <p:cNvPr id="2" name="タイトル 1">
+            <a:extLst>
+              <a:ext uri="{FF2B5EF4-FFF2-40B4-BE49-F238E27FC236}">
+                <a16:creationId xmlns:a16="http://schemas.microsoft.com/office/drawing/2014/main" id="{213BF3A1-DD1D-4165-8052-62BFF812FAFA}"/>
+              </a:ext>
+            </a:extLst>
+          </p:cNvPr>
+          <p:cNvSpPr>
+            <a:spLocks noGrp="1"/>
+          </p:cNvSpPr>
+          <p:nvPr>
+            <p:ph type="title"/>
+          </p:nvPr>
+        </p:nvSpPr>
+        <p:spPr/>
+        <p:txBody>
+          <a:bodyPr/>
+          <a:lstStyle/>
+          <a:p>
+            <a:r>
+              <a:rPr lang="en-US" altLang="ja-JP" dirty="0"/>
+              <a:t>vehicle</a:t>
+            </a:r>
+            <a:endParaRPr kumimoji="1" lang="ja-JP" altLang="en-US" dirty="0"/>
+          </a:p>
+        </p:txBody>
+      </p:sp>
+      <p:sp>
+        <p:nvSpPr>
+          <p:cNvPr id="4" name="スライド番号プレースホルダー 3">
+            <a:extLst>
+              <a:ext uri="{FF2B5EF4-FFF2-40B4-BE49-F238E27FC236}">
+                <a16:creationId xmlns:a16="http://schemas.microsoft.com/office/drawing/2014/main" id="{9E26C73A-46DA-490C-8540-14B45B4AE3FE}"/>
+              </a:ext>
+            </a:extLst>
+          </p:cNvPr>
+          <p:cNvSpPr>
+            <a:spLocks noGrp="1"/>
+          </p:cNvSpPr>
+          <p:nvPr>
+            <p:ph type="sldNum" sz="quarter" idx="12"/>
+          </p:nvPr>
+        </p:nvSpPr>
+        <p:spPr/>
+        <p:txBody>
+          <a:bodyPr/>
+          <a:lstStyle/>
+          <a:p>
+            <a:fld id="{B5C67937-D10B-4F1B-BCB2-26B69D4AE1E2}" type="slidenum">
+              <a:rPr kumimoji="1" lang="ja-JP" altLang="en-US" smtClean="0"/>
+              <a:pPr/>
+              <a:t>7</a:t>
+            </a:fld>
+            <a:endParaRPr kumimoji="1" lang="ja-JP" altLang="en-US" dirty="0"/>
+          </a:p>
+        </p:txBody>
+      </p:sp>
+      <p:pic>
+        <p:nvPicPr>
+          <p:cNvPr id="5" name="コンテンツ プレースホルダー 4">
+            <a:extLst>
+              <a:ext uri="{FF2B5EF4-FFF2-40B4-BE49-F238E27FC236}">
+                <a16:creationId xmlns:a16="http://schemas.microsoft.com/office/drawing/2014/main" id="{BFB8B318-FE9F-467E-8B63-41B70BE298B1}"/>
+              </a:ext>
+            </a:extLst>
+          </p:cNvPr>
+          <p:cNvPicPr>
+            <a:picLocks noGrp="1" noChangeAspect="1"/>
+          </p:cNvPicPr>
+          <p:nvPr>
+            <p:ph idx="1"/>
+          </p:nvPr>
+        </p:nvPicPr>
+        <p:blipFill>
+          <a:blip r:embed="rId2"/>
+          <a:stretch>
+            <a:fillRect/>
+          </a:stretch>
+        </p:blipFill>
+        <p:spPr>
+          <a:xfrm>
+            <a:off x="1815472" y="1713988"/>
+            <a:ext cx="5513056" cy="4496824"/>
+          </a:xfrm>
+          <a:prstGeom prst="rect">
+            <a:avLst/>
+          </a:prstGeom>
+        </p:spPr>
+      </p:pic>
+      <p:sp>
+        <p:nvSpPr>
+          <p:cNvPr id="7" name="テキスト ボックス 6">
+            <a:extLst>
+              <a:ext uri="{FF2B5EF4-FFF2-40B4-BE49-F238E27FC236}">
+                <a16:creationId xmlns:a16="http://schemas.microsoft.com/office/drawing/2014/main" id="{3EACA4D4-74D8-4290-9B51-BCFA3DD36FCE}"/>
+              </a:ext>
+            </a:extLst>
+          </p:cNvPr>
+          <p:cNvSpPr txBox="1"/>
+          <p:nvPr/>
+        </p:nvSpPr>
+        <p:spPr>
+          <a:xfrm>
+            <a:off x="246743" y="1180560"/>
+            <a:ext cx="2815772" cy="1200329"/>
+          </a:xfrm>
+          <a:prstGeom prst="rect">
+            <a:avLst/>
+          </a:prstGeom>
+          <a:solidFill>
+            <a:srgbClr val="FFFFFF"/>
+          </a:solidFill>
+        </p:spPr>
+        <p:style>
+          <a:lnRef idx="2">
+            <a:schemeClr val="dk1"/>
+          </a:lnRef>
+          <a:fillRef idx="1">
+            <a:schemeClr val="lt1"/>
+          </a:fillRef>
+          <a:effectRef idx="0">
+            <a:schemeClr val="dk1"/>
+          </a:effectRef>
+          <a:fontRef idx="minor">
+            <a:schemeClr val="dk1"/>
+          </a:fontRef>
+        </p:style>
+        <p:txBody>
+          <a:bodyPr wrap="square" rtlCol="0">
+            <a:spAutoFit/>
+          </a:bodyPr>
+          <a:lstStyle/>
+          <a:p>
+            <a:pPr algn="ctr"/>
+            <a:r>
+              <a:rPr lang="ja-JP" altLang="en-US" sz="2400" dirty="0"/>
+              <a:t>パターン数</a:t>
+            </a:r>
+            <a:r>
+              <a:rPr lang="en-US" altLang="ja-JP" sz="2400" dirty="0"/>
+              <a:t>:840</a:t>
+            </a:r>
+          </a:p>
+          <a:p>
+            <a:pPr algn="ctr"/>
+            <a:r>
+              <a:rPr kumimoji="1" lang="ja-JP" altLang="en-US" sz="2400" dirty="0"/>
+              <a:t>属性数</a:t>
+            </a:r>
+            <a:r>
+              <a:rPr kumimoji="1" lang="en-US" altLang="ja-JP" sz="2400" dirty="0"/>
+              <a:t>:18</a:t>
+            </a:r>
+          </a:p>
+          <a:p>
+            <a:pPr algn="ctr"/>
+            <a:r>
+              <a:rPr kumimoji="1" lang="ja-JP" altLang="en-US" sz="2400" dirty="0"/>
+              <a:t>クラス数</a:t>
+            </a:r>
+            <a:r>
+              <a:rPr kumimoji="1" lang="en-US" altLang="ja-JP" sz="2400" dirty="0"/>
+              <a:t>:4</a:t>
+            </a:r>
+            <a:endParaRPr kumimoji="1" lang="ja-JP" altLang="en-US" sz="2400" dirty="0"/>
+          </a:p>
+        </p:txBody>
+      </p:sp>
+    </p:spTree>
+    <p:extLst>
+      <p:ext uri="{BB962C8B-B14F-4D97-AF65-F5344CB8AC3E}">
+        <p14:creationId xmlns:p14="http://schemas.microsoft.com/office/powerpoint/2010/main" val="141148447"/>
+      </p:ext>
+    </p:extLst>
+  </p:cSld>
+  <p:clrMapOvr>
+    <a:masterClrMapping/>
+  </p:clrMapOvr>
+</p:sld>
+</file>
+
+<file path=ppt/slides/slide8.xml><?xml version="1.0" encoding="utf-8"?>
+<p:sld xmlns:a="http://schemas.openxmlformats.org/drawingml/2006/main" xmlns:r="http://schemas.openxmlformats.org/officeDocument/2006/relationships" xmlns:p="http://schemas.openxmlformats.org/presentationml/2006/main">
+  <p:cSld>
+    <p:bg>
+      <p:bgPr>
+        <a:solidFill>
+          <a:schemeClr val="bg1">
+            <a:alpha val="0"/>
+          </a:schemeClr>
+        </a:solidFill>
+        <a:effectLst/>
+      </p:bgPr>
+    </p:bg>
+    <p:spTree>
+      <p:nvGrpSpPr>
+        <p:cNvPr id="1" name=""/>
+        <p:cNvGrpSpPr/>
+        <p:nvPr/>
+      </p:nvGrpSpPr>
+      <p:grpSpPr>
+        <a:xfrm>
+          <a:off x="0" y="0"/>
+          <a:ext cx="0" cy="0"/>
+          <a:chOff x="0" y="0"/>
+          <a:chExt cx="0" cy="0"/>
+        </a:xfrm>
+      </p:grpSpPr>
+      <p:sp>
+        <p:nvSpPr>
+          <p:cNvPr id="2" name="タイトル 1">
+            <a:extLst>
+              <a:ext uri="{FF2B5EF4-FFF2-40B4-BE49-F238E27FC236}">
                 <a16:creationId xmlns:a16="http://schemas.microsoft.com/office/drawing/2014/main" id="{FEAA6DE5-0D52-4558-9B53-5A65FFAD06C3}"/>
               </a:ext>
             </a:extLst>
@@ -4766,7 +6138,7 @@
             <a:fld id="{B5C67937-D10B-4F1B-BCB2-26B69D4AE1E2}" type="slidenum">
               <a:rPr kumimoji="1" lang="ja-JP" altLang="en-US" smtClean="0"/>
               <a:pPr/>
-              <a:t>6</a:t>
+              <a:t>8</a:t>
             </a:fld>
             <a:endParaRPr kumimoji="1" lang="ja-JP" altLang="en-US" dirty="0"/>
           </a:p>
@@ -4864,7 +6236,7 @@
 </p:sld>
 </file>
 
-<file path=ppt/slides/slide7.xml><?xml version="1.0" encoding="utf-8"?>
+<file path=ppt/slides/slide9.xml><?xml version="1.0" encoding="utf-8"?>
 <p:sld xmlns:a="http://schemas.openxmlformats.org/drawingml/2006/main" xmlns:r="http://schemas.openxmlformats.org/officeDocument/2006/relationships" xmlns:p="http://schemas.openxmlformats.org/presentationml/2006/main">
   <p:cSld>
     <p:bg>
@@ -4976,7 +6348,7 @@
             <a:fld id="{B5C67937-D10B-4F1B-BCB2-26B69D4AE1E2}" type="slidenum">
               <a:rPr kumimoji="1" lang="ja-JP" altLang="en-US" smtClean="0"/>
               <a:pPr/>
-              <a:t>7</a:t>
+              <a:t>9</a:t>
             </a:fld>
             <a:endParaRPr kumimoji="1" lang="ja-JP" altLang="en-US" dirty="0"/>
           </a:p>
@@ -5065,426 +6437,6 @@
     <p:extLst>
       <p:ext uri="{BB962C8B-B14F-4D97-AF65-F5344CB8AC3E}">
         <p14:creationId xmlns:p14="http://schemas.microsoft.com/office/powerpoint/2010/main" val="1074519624"/>
-      </p:ext>
-    </p:extLst>
-  </p:cSld>
-  <p:clrMapOvr>
-    <a:masterClrMapping/>
-  </p:clrMapOvr>
-</p:sld>
-</file>
-
-<file path=ppt/slides/slide8.xml><?xml version="1.0" encoding="utf-8"?>
-<p:sld xmlns:a="http://schemas.openxmlformats.org/drawingml/2006/main" xmlns:r="http://schemas.openxmlformats.org/officeDocument/2006/relationships" xmlns:p="http://schemas.openxmlformats.org/presentationml/2006/main">
-  <p:cSld>
-    <p:bg>
-      <p:bgPr>
-        <a:solidFill>
-          <a:schemeClr val="bg1">
-            <a:alpha val="0"/>
-          </a:schemeClr>
-        </a:solidFill>
-        <a:effectLst/>
-      </p:bgPr>
-    </p:bg>
-    <p:spTree>
-      <p:nvGrpSpPr>
-        <p:cNvPr id="1" name=""/>
-        <p:cNvGrpSpPr/>
-        <p:nvPr/>
-      </p:nvGrpSpPr>
-      <p:grpSpPr>
-        <a:xfrm>
-          <a:off x="0" y="0"/>
-          <a:ext cx="0" cy="0"/>
-          <a:chOff x="0" y="0"/>
-          <a:chExt cx="0" cy="0"/>
-        </a:xfrm>
-      </p:grpSpPr>
-      <p:sp>
-        <p:nvSpPr>
-          <p:cNvPr id="2" name="タイトル 1">
-            <a:extLst>
-              <a:ext uri="{FF2B5EF4-FFF2-40B4-BE49-F238E27FC236}">
-                <a16:creationId xmlns:a16="http://schemas.microsoft.com/office/drawing/2014/main" id="{9F61A8F1-E808-441B-AAFE-1E57A72FC0EF}"/>
-              </a:ext>
-            </a:extLst>
-          </p:cNvPr>
-          <p:cNvSpPr>
-            <a:spLocks noGrp="1"/>
-          </p:cNvSpPr>
-          <p:nvPr>
-            <p:ph type="title"/>
-          </p:nvPr>
-        </p:nvSpPr>
-        <p:spPr/>
-        <p:txBody>
-          <a:bodyPr/>
-          <a:lstStyle/>
-          <a:p>
-            <a:r>
-              <a:rPr kumimoji="1" lang="en-US" altLang="ja-JP" dirty="0"/>
-              <a:t>phoneme</a:t>
-            </a:r>
-            <a:endParaRPr kumimoji="1" lang="ja-JP" altLang="en-US" dirty="0"/>
-          </a:p>
-        </p:txBody>
-      </p:sp>
-      <p:pic>
-        <p:nvPicPr>
-          <p:cNvPr id="5" name="コンテンツ プレースホルダー 4">
-            <a:extLst>
-              <a:ext uri="{FF2B5EF4-FFF2-40B4-BE49-F238E27FC236}">
-                <a16:creationId xmlns:a16="http://schemas.microsoft.com/office/drawing/2014/main" id="{7CA1BE00-87E2-4E13-9CA3-1097EA3D2B39}"/>
-              </a:ext>
-            </a:extLst>
-          </p:cNvPr>
-          <p:cNvPicPr>
-            <a:picLocks noGrp="1" noChangeAspect="1"/>
-          </p:cNvPicPr>
-          <p:nvPr>
-            <p:ph idx="1"/>
-          </p:nvPr>
-        </p:nvPicPr>
-        <p:blipFill>
-          <a:blip r:embed="rId2"/>
-          <a:stretch>
-            <a:fillRect/>
-          </a:stretch>
-        </p:blipFill>
-        <p:spPr>
-          <a:xfrm>
-            <a:off x="2234667" y="2387241"/>
-            <a:ext cx="4674665" cy="3150318"/>
-          </a:xfrm>
-          <a:prstGeom prst="rect">
-            <a:avLst/>
-          </a:prstGeom>
-        </p:spPr>
-      </p:pic>
-      <p:sp>
-        <p:nvSpPr>
-          <p:cNvPr id="4" name="スライド番号プレースホルダー 3">
-            <a:extLst>
-              <a:ext uri="{FF2B5EF4-FFF2-40B4-BE49-F238E27FC236}">
-                <a16:creationId xmlns:a16="http://schemas.microsoft.com/office/drawing/2014/main" id="{CADCB879-A9F7-4164-8FF7-8765F805704F}"/>
-              </a:ext>
-            </a:extLst>
-          </p:cNvPr>
-          <p:cNvSpPr>
-            <a:spLocks noGrp="1"/>
-          </p:cNvSpPr>
-          <p:nvPr>
-            <p:ph type="sldNum" sz="quarter" idx="12"/>
-          </p:nvPr>
-        </p:nvSpPr>
-        <p:spPr/>
-        <p:txBody>
-          <a:bodyPr/>
-          <a:lstStyle/>
-          <a:p>
-            <a:fld id="{B5C67937-D10B-4F1B-BCB2-26B69D4AE1E2}" type="slidenum">
-              <a:rPr kumimoji="1" lang="ja-JP" altLang="en-US" smtClean="0"/>
-              <a:pPr/>
-              <a:t>8</a:t>
-            </a:fld>
-            <a:endParaRPr kumimoji="1" lang="ja-JP" altLang="en-US" dirty="0"/>
-          </a:p>
-        </p:txBody>
-      </p:sp>
-      <p:sp>
-        <p:nvSpPr>
-          <p:cNvPr id="6" name="テキスト ボックス 5">
-            <a:extLst>
-              <a:ext uri="{FF2B5EF4-FFF2-40B4-BE49-F238E27FC236}">
-                <a16:creationId xmlns:a16="http://schemas.microsoft.com/office/drawing/2014/main" id="{8163DCB0-BACF-4FE2-9FD5-7AAF7C8F6473}"/>
-              </a:ext>
-            </a:extLst>
-          </p:cNvPr>
-          <p:cNvSpPr txBox="1"/>
-          <p:nvPr/>
-        </p:nvSpPr>
-        <p:spPr>
-          <a:xfrm>
-            <a:off x="246743" y="1180560"/>
-            <a:ext cx="2815772" cy="1200329"/>
-          </a:xfrm>
-          <a:prstGeom prst="rect">
-            <a:avLst/>
-          </a:prstGeom>
-          <a:solidFill>
-            <a:srgbClr val="FFFFFF"/>
-          </a:solidFill>
-        </p:spPr>
-        <p:style>
-          <a:lnRef idx="2">
-            <a:schemeClr val="dk1"/>
-          </a:lnRef>
-          <a:fillRef idx="1">
-            <a:schemeClr val="lt1"/>
-          </a:fillRef>
-          <a:effectRef idx="0">
-            <a:schemeClr val="dk1"/>
-          </a:effectRef>
-          <a:fontRef idx="minor">
-            <a:schemeClr val="dk1"/>
-          </a:fontRef>
-        </p:style>
-        <p:txBody>
-          <a:bodyPr wrap="square" rtlCol="0">
-            <a:spAutoFit/>
-          </a:bodyPr>
-          <a:lstStyle/>
-          <a:p>
-            <a:pPr algn="ctr"/>
-            <a:r>
-              <a:rPr lang="ja-JP" altLang="en-US" sz="2400" dirty="0"/>
-              <a:t>パターン数</a:t>
-            </a:r>
-            <a:r>
-              <a:rPr lang="en-US" altLang="ja-JP" sz="2400" dirty="0"/>
-              <a:t>:5404</a:t>
-            </a:r>
-          </a:p>
-          <a:p>
-            <a:pPr algn="ctr"/>
-            <a:r>
-              <a:rPr kumimoji="1" lang="ja-JP" altLang="en-US" sz="2400" dirty="0"/>
-              <a:t>属性数</a:t>
-            </a:r>
-            <a:r>
-              <a:rPr kumimoji="1" lang="en-US" altLang="ja-JP" sz="2400" dirty="0"/>
-              <a:t>:5</a:t>
-            </a:r>
-          </a:p>
-          <a:p>
-            <a:pPr algn="ctr"/>
-            <a:r>
-              <a:rPr kumimoji="1" lang="ja-JP" altLang="en-US" sz="2400" dirty="0"/>
-              <a:t>クラス数</a:t>
-            </a:r>
-            <a:r>
-              <a:rPr kumimoji="1" lang="en-US" altLang="ja-JP" sz="2400" dirty="0"/>
-              <a:t>:2</a:t>
-            </a:r>
-            <a:endParaRPr kumimoji="1" lang="ja-JP" altLang="en-US" sz="2400" dirty="0"/>
-          </a:p>
-        </p:txBody>
-      </p:sp>
-    </p:spTree>
-    <p:extLst>
-      <p:ext uri="{BB962C8B-B14F-4D97-AF65-F5344CB8AC3E}">
-        <p14:creationId xmlns:p14="http://schemas.microsoft.com/office/powerpoint/2010/main" val="538742870"/>
-      </p:ext>
-    </p:extLst>
-  </p:cSld>
-  <p:clrMapOvr>
-    <a:masterClrMapping/>
-  </p:clrMapOvr>
-</p:sld>
-</file>
-
-<file path=ppt/slides/slide9.xml><?xml version="1.0" encoding="utf-8"?>
-<p:sld xmlns:a="http://schemas.openxmlformats.org/drawingml/2006/main" xmlns:r="http://schemas.openxmlformats.org/officeDocument/2006/relationships" xmlns:p="http://schemas.openxmlformats.org/presentationml/2006/main">
-  <p:cSld>
-    <p:bg>
-      <p:bgPr>
-        <a:solidFill>
-          <a:schemeClr val="bg1">
-            <a:alpha val="0"/>
-          </a:schemeClr>
-        </a:solidFill>
-        <a:effectLst/>
-      </p:bgPr>
-    </p:bg>
-    <p:spTree>
-      <p:nvGrpSpPr>
-        <p:cNvPr id="1" name=""/>
-        <p:cNvGrpSpPr/>
-        <p:nvPr/>
-      </p:nvGrpSpPr>
-      <p:grpSpPr>
-        <a:xfrm>
-          <a:off x="0" y="0"/>
-          <a:ext cx="0" cy="0"/>
-          <a:chOff x="0" y="0"/>
-          <a:chExt cx="0" cy="0"/>
-        </a:xfrm>
-      </p:grpSpPr>
-      <p:sp>
-        <p:nvSpPr>
-          <p:cNvPr id="2" name="タイトル 1">
-            <a:extLst>
-              <a:ext uri="{FF2B5EF4-FFF2-40B4-BE49-F238E27FC236}">
-                <a16:creationId xmlns:a16="http://schemas.microsoft.com/office/drawing/2014/main" id="{18DA06AB-3BE4-4DF9-9121-69299C4AF46D}"/>
-              </a:ext>
-            </a:extLst>
-          </p:cNvPr>
-          <p:cNvSpPr>
-            <a:spLocks noGrp="1"/>
-          </p:cNvSpPr>
-          <p:nvPr>
-            <p:ph type="title"/>
-          </p:nvPr>
-        </p:nvSpPr>
-        <p:spPr/>
-        <p:txBody>
-          <a:bodyPr/>
-          <a:lstStyle/>
-          <a:p>
-            <a:r>
-              <a:rPr kumimoji="1" lang="en-US" altLang="ja-JP" dirty="0"/>
-              <a:t>sonar</a:t>
-            </a:r>
-            <a:endParaRPr kumimoji="1" lang="ja-JP" altLang="en-US" dirty="0"/>
-          </a:p>
-        </p:txBody>
-      </p:sp>
-      <p:pic>
-        <p:nvPicPr>
-          <p:cNvPr id="5" name="コンテンツ プレースホルダー 4">
-            <a:extLst>
-              <a:ext uri="{FF2B5EF4-FFF2-40B4-BE49-F238E27FC236}">
-                <a16:creationId xmlns:a16="http://schemas.microsoft.com/office/drawing/2014/main" id="{671A546F-DF92-4E16-88DF-57F81011C0AB}"/>
-              </a:ext>
-            </a:extLst>
-          </p:cNvPr>
-          <p:cNvPicPr>
-            <a:picLocks noGrp="1" noChangeAspect="1"/>
-          </p:cNvPicPr>
-          <p:nvPr>
-            <p:ph idx="1"/>
-          </p:nvPr>
-        </p:nvPicPr>
-        <p:blipFill>
-          <a:blip r:embed="rId2"/>
-          <a:stretch>
-            <a:fillRect/>
-          </a:stretch>
-        </p:blipFill>
-        <p:spPr>
-          <a:xfrm>
-            <a:off x="2171153" y="2387241"/>
-            <a:ext cx="4801694" cy="3150318"/>
-          </a:xfrm>
-          <a:prstGeom prst="rect">
-            <a:avLst/>
-          </a:prstGeom>
-        </p:spPr>
-      </p:pic>
-      <p:sp>
-        <p:nvSpPr>
-          <p:cNvPr id="4" name="スライド番号プレースホルダー 3">
-            <a:extLst>
-              <a:ext uri="{FF2B5EF4-FFF2-40B4-BE49-F238E27FC236}">
-                <a16:creationId xmlns:a16="http://schemas.microsoft.com/office/drawing/2014/main" id="{DBC5590C-AF35-480D-BB94-E8724F23F560}"/>
-              </a:ext>
-            </a:extLst>
-          </p:cNvPr>
-          <p:cNvSpPr>
-            <a:spLocks noGrp="1"/>
-          </p:cNvSpPr>
-          <p:nvPr>
-            <p:ph type="sldNum" sz="quarter" idx="12"/>
-          </p:nvPr>
-        </p:nvSpPr>
-        <p:spPr/>
-        <p:txBody>
-          <a:bodyPr/>
-          <a:lstStyle/>
-          <a:p>
-            <a:fld id="{B5C67937-D10B-4F1B-BCB2-26B69D4AE1E2}" type="slidenum">
-              <a:rPr kumimoji="1" lang="ja-JP" altLang="en-US" smtClean="0"/>
-              <a:pPr/>
-              <a:t>9</a:t>
-            </a:fld>
-            <a:endParaRPr kumimoji="1" lang="ja-JP" altLang="en-US" dirty="0"/>
-          </a:p>
-        </p:txBody>
-      </p:sp>
-      <p:sp>
-        <p:nvSpPr>
-          <p:cNvPr id="6" name="テキスト ボックス 5">
-            <a:extLst>
-              <a:ext uri="{FF2B5EF4-FFF2-40B4-BE49-F238E27FC236}">
-                <a16:creationId xmlns:a16="http://schemas.microsoft.com/office/drawing/2014/main" id="{8F5FFA4E-0F33-40B2-9E26-148A139D58E4}"/>
-              </a:ext>
-            </a:extLst>
-          </p:cNvPr>
-          <p:cNvSpPr txBox="1"/>
-          <p:nvPr/>
-        </p:nvSpPr>
-        <p:spPr>
-          <a:xfrm>
-            <a:off x="246743" y="1180560"/>
-            <a:ext cx="2815772" cy="1200329"/>
-          </a:xfrm>
-          <a:prstGeom prst="rect">
-            <a:avLst/>
-          </a:prstGeom>
-          <a:solidFill>
-            <a:srgbClr val="FFFFFF"/>
-          </a:solidFill>
-        </p:spPr>
-        <p:style>
-          <a:lnRef idx="2">
-            <a:schemeClr val="dk1"/>
-          </a:lnRef>
-          <a:fillRef idx="1">
-            <a:schemeClr val="lt1"/>
-          </a:fillRef>
-          <a:effectRef idx="0">
-            <a:schemeClr val="dk1"/>
-          </a:effectRef>
-          <a:fontRef idx="minor">
-            <a:schemeClr val="dk1"/>
-          </a:fontRef>
-        </p:style>
-        <p:txBody>
-          <a:bodyPr wrap="square" rtlCol="0">
-            <a:spAutoFit/>
-          </a:bodyPr>
-          <a:lstStyle/>
-          <a:p>
-            <a:pPr algn="ctr"/>
-            <a:r>
-              <a:rPr lang="ja-JP" altLang="en-US" sz="2400" dirty="0"/>
-              <a:t>パターン数</a:t>
-            </a:r>
-            <a:r>
-              <a:rPr lang="en-US" altLang="ja-JP" sz="2400" dirty="0"/>
-              <a:t>:200</a:t>
-            </a:r>
-          </a:p>
-          <a:p>
-            <a:pPr algn="ctr"/>
-            <a:r>
-              <a:rPr kumimoji="1" lang="ja-JP" altLang="en-US" sz="2400" dirty="0"/>
-              <a:t>属性数</a:t>
-            </a:r>
-            <a:r>
-              <a:rPr kumimoji="1" lang="en-US" altLang="ja-JP" sz="2400" dirty="0"/>
-              <a:t>:60</a:t>
-            </a:r>
-          </a:p>
-          <a:p>
-            <a:pPr algn="ctr"/>
-            <a:r>
-              <a:rPr kumimoji="1" lang="ja-JP" altLang="en-US" sz="2400" dirty="0"/>
-              <a:t>クラス数</a:t>
-            </a:r>
-            <a:r>
-              <a:rPr kumimoji="1" lang="en-US" altLang="ja-JP" sz="2400"/>
-              <a:t>:2</a:t>
-            </a:r>
-            <a:endParaRPr kumimoji="1" lang="ja-JP" altLang="en-US" sz="2400" dirty="0"/>
-          </a:p>
-        </p:txBody>
-      </p:sp>
-    </p:spTree>
-    <p:extLst>
-      <p:ext uri="{BB962C8B-B14F-4D97-AF65-F5344CB8AC3E}">
-        <p14:creationId xmlns:p14="http://schemas.microsoft.com/office/powerpoint/2010/main" val="235996216"/>
       </p:ext>
     </p:extLst>
   </p:cSld>
